--- a/documentations/python-concurrency.pptx
+++ b/documentations/python-concurrency.pptx
@@ -349,7 +349,7 @@
           <a:p>
             <a:fld id="{ADCD2C08-3C00-4791-9388-3FB9A56F87F8}" type="datetimeFigureOut">
               <a:rPr lang="fr-FR" smtClean="0"/>
-              <a:t>02/02/2018</a:t>
+              <a:t>03/02/2018</a:t>
             </a:fld>
             <a:endParaRPr lang="fr-FR" dirty="0"/>
           </a:p>
@@ -13573,7 +13573,7 @@
           <a:p>
             <a:fld id="{CAB5D9F6-764D-45E8-BA35-322ECA954888}" type="datetime1">
               <a:rPr lang="en-US" smtClean="0"/>
-              <a:t>2/2/2018</a:t>
+              <a:t>2/3/2018</a:t>
             </a:fld>
             <a:endParaRPr lang="en-US" dirty="0"/>
           </a:p>
@@ -13913,7 +13913,7 @@
           <a:p>
             <a:fld id="{7E62AF45-EF0A-4378-934F-84EB6BC3D026}" type="datetime1">
               <a:rPr lang="en-US" smtClean="0"/>
-              <a:t>2/2/2018</a:t>
+              <a:t>2/3/2018</a:t>
             </a:fld>
             <a:endParaRPr lang="en-US" dirty="0"/>
           </a:p>
@@ -14315,7 +14315,7 @@
           <a:p>
             <a:fld id="{76D4023A-E694-4331-A23E-E1356D15A4BD}" type="datetime1">
               <a:rPr lang="en-US" smtClean="0"/>
-              <a:t>2/2/2018</a:t>
+              <a:t>2/3/2018</a:t>
             </a:fld>
             <a:endParaRPr lang="en-US" dirty="0"/>
           </a:p>
@@ -14652,7 +14652,7 @@
           <a:p>
             <a:fld id="{D6F2E77E-7F60-441B-806F-66DDB3F74163}" type="datetime1">
               <a:rPr lang="en-US" smtClean="0"/>
-              <a:t>2/2/2018</a:t>
+              <a:t>2/3/2018</a:t>
             </a:fld>
             <a:endParaRPr lang="en-US" dirty="0"/>
           </a:p>
@@ -14973,7 +14973,7 @@
           <a:p>
             <a:fld id="{266B8AF4-4A0E-4A4E-9660-2094B624C07D}" type="datetime1">
               <a:rPr lang="en-US" smtClean="0"/>
-              <a:t>2/2/2018</a:t>
+              <a:t>2/3/2018</a:t>
             </a:fld>
             <a:endParaRPr lang="en-US" dirty="0"/>
           </a:p>
@@ -15370,7 +15370,7 @@
           <a:p>
             <a:fld id="{CB2BF7E3-4C05-4502-A416-452E6496AE59}" type="datetime1">
               <a:rPr lang="en-US" smtClean="0"/>
-              <a:t>2/2/2018</a:t>
+              <a:t>2/3/2018</a:t>
             </a:fld>
             <a:endParaRPr lang="en-US" dirty="0"/>
           </a:p>
@@ -15628,7 +15628,7 @@
           <a:p>
             <a:fld id="{F6F8AC83-13D2-4813-AD1A-CAFB5DEDD213}" type="datetime1">
               <a:rPr lang="en-US" smtClean="0"/>
-              <a:t>2/2/2018</a:t>
+              <a:t>2/3/2018</a:t>
             </a:fld>
             <a:endParaRPr lang="en-US" dirty="0"/>
           </a:p>
@@ -15891,7 +15891,7 @@
           <a:p>
             <a:fld id="{74455543-85E2-46E2-A974-7ADB0844C12A}" type="datetime1">
               <a:rPr lang="en-US" smtClean="0"/>
-              <a:t>2/2/2018</a:t>
+              <a:t>2/3/2018</a:t>
             </a:fld>
             <a:endParaRPr lang="en-US" dirty="0"/>
           </a:p>
@@ -17041,7 +17041,7 @@
           <a:p>
             <a:fld id="{086CC522-5229-4E69-BBB2-D5F912967395}" type="datetime1">
               <a:rPr lang="en-US" smtClean="0"/>
-              <a:t>2/2/2018</a:t>
+              <a:t>2/3/2018</a:t>
             </a:fld>
             <a:endParaRPr lang="en-US" dirty="0"/>
           </a:p>
@@ -17360,7 +17360,7 @@
           <a:p>
             <a:fld id="{56B9B5DB-1D1A-42F8-93F0-BBA44C1CAF57}" type="datetime1">
               <a:rPr lang="en-US" smtClean="0"/>
-              <a:t>2/2/2018</a:t>
+              <a:t>2/3/2018</a:t>
             </a:fld>
             <a:endParaRPr lang="en-US" dirty="0"/>
           </a:p>
@@ -17818,7 +17818,7 @@
           <a:p>
             <a:fld id="{9A4E8950-D3FA-4365-B561-9EE5AC9B6B6C}" type="datetime1">
               <a:rPr lang="en-US" smtClean="0"/>
-              <a:t>2/2/2018</a:t>
+              <a:t>2/3/2018</a:t>
             </a:fld>
             <a:endParaRPr lang="en-US" dirty="0"/>
           </a:p>
@@ -18024,7 +18024,7 @@
           <a:p>
             <a:fld id="{20724122-C579-4659-8A06-81F42FC84005}" type="datetime1">
               <a:rPr lang="en-US" smtClean="0"/>
-              <a:t>2/2/2018</a:t>
+              <a:t>2/3/2018</a:t>
             </a:fld>
             <a:endParaRPr lang="en-US" dirty="0"/>
           </a:p>
@@ -18202,7 +18202,7 @@
           <a:p>
             <a:fld id="{E4C13383-9243-41F6-8072-8685ED9DD899}" type="datetime1">
               <a:rPr lang="en-US" smtClean="0"/>
-              <a:t>2/2/2018</a:t>
+              <a:t>2/3/2018</a:t>
             </a:fld>
             <a:endParaRPr lang="en-US" dirty="0"/>
           </a:p>
@@ -18536,7 +18536,7 @@
           <a:p>
             <a:fld id="{03F027E6-328C-49ED-AE4B-BD647A7E3EDE}" type="datetime1">
               <a:rPr lang="en-US" smtClean="0"/>
-              <a:t>2/2/2018</a:t>
+              <a:t>2/3/2018</a:t>
             </a:fld>
             <a:endParaRPr lang="en-US" dirty="0"/>
           </a:p>
@@ -18882,7 +18882,7 @@
           <a:p>
             <a:fld id="{6B498982-A325-4B29-8B06-CBC7789C234F}" type="datetime1">
               <a:rPr lang="en-US" smtClean="0"/>
-              <a:t>2/2/2018</a:t>
+              <a:t>2/3/2018</a:t>
             </a:fld>
             <a:endParaRPr lang="en-US" dirty="0"/>
           </a:p>
@@ -21000,7 +21000,7 @@
           <a:p>
             <a:fld id="{CAB5D9F6-764D-45E8-BA35-322ECA954888}" type="datetime1">
               <a:rPr lang="en-US" smtClean="0"/>
-              <a:t>2/2/2018</a:t>
+              <a:t>2/3/2018</a:t>
             </a:fld>
             <a:endParaRPr lang="en-US" dirty="0"/>
           </a:p>
@@ -21567,7 +21567,11 @@
           <a:p>
             <a:r>
               <a:rPr lang="fr-FR" dirty="0" smtClean="0"/>
-              <a:t>Python 103</a:t>
+              <a:t>Python </a:t>
+            </a:r>
+            <a:r>
+              <a:rPr lang="fr-FR" dirty="0" smtClean="0"/>
+              <a:t>Concurrence</a:t>
             </a:r>
             <a:endParaRPr lang="fr-FR" dirty="0"/>
           </a:p>

--- a/documentations/python-concurrency.pptx
+++ b/documentations/python-concurrency.pptx
@@ -5,7 +5,7 @@
     <p:sldMasterId id="2147483665" r:id="rId1"/>
   </p:sldMasterIdLst>
   <p:notesMasterIdLst>
-    <p:notesMasterId r:id="rId155"/>
+    <p:notesMasterId r:id="rId163"/>
   </p:notesMasterIdLst>
   <p:sldIdLst>
     <p:sldId id="256" r:id="rId2"/>
@@ -157,10 +157,18 @@
     <p:sldId id="454" r:id="rId148"/>
     <p:sldId id="455" r:id="rId149"/>
     <p:sldId id="456" r:id="rId150"/>
-    <p:sldId id="457" r:id="rId151"/>
+    <p:sldId id="459" r:id="rId151"/>
     <p:sldId id="458" r:id="rId152"/>
-    <p:sldId id="285" r:id="rId153"/>
-    <p:sldId id="309" r:id="rId154"/>
+    <p:sldId id="457" r:id="rId153"/>
+    <p:sldId id="460" r:id="rId154"/>
+    <p:sldId id="461" r:id="rId155"/>
+    <p:sldId id="462" r:id="rId156"/>
+    <p:sldId id="463" r:id="rId157"/>
+    <p:sldId id="464" r:id="rId158"/>
+    <p:sldId id="465" r:id="rId159"/>
+    <p:sldId id="466" r:id="rId160"/>
+    <p:sldId id="285" r:id="rId161"/>
+    <p:sldId id="309" r:id="rId162"/>
   </p:sldIdLst>
   <p:sldSz cx="12192000" cy="6858000"/>
   <p:notesSz cx="6858000" cy="9144000"/>
@@ -5311,7 +5319,7 @@
     </p:spTree>
     <p:extLst>
       <p:ext uri="{BB962C8B-B14F-4D97-AF65-F5344CB8AC3E}">
-        <p14:creationId xmlns:p14="http://schemas.microsoft.com/office/powerpoint/2010/main" val="2681028984"/>
+        <p14:creationId xmlns:p14="http://schemas.microsoft.com/office/powerpoint/2010/main" val="3997611225"/>
       </p:ext>
     </p:extLst>
   </p:cSld>
@@ -5563,7 +5571,7 @@
     </p:spTree>
     <p:extLst>
       <p:ext uri="{BB962C8B-B14F-4D97-AF65-F5344CB8AC3E}">
-        <p14:creationId xmlns:p14="http://schemas.microsoft.com/office/powerpoint/2010/main" val="831955769"/>
+        <p14:creationId xmlns:p14="http://schemas.microsoft.com/office/powerpoint/2010/main" val="2681028984"/>
       </p:ext>
     </p:extLst>
   </p:cSld>
@@ -5647,7 +5655,595 @@
     </p:spTree>
     <p:extLst>
       <p:ext uri="{BB962C8B-B14F-4D97-AF65-F5344CB8AC3E}">
-        <p14:creationId xmlns:p14="http://schemas.microsoft.com/office/powerpoint/2010/main" val="4283531152"/>
+        <p14:creationId xmlns:p14="http://schemas.microsoft.com/office/powerpoint/2010/main" val="4103205301"/>
+      </p:ext>
+    </p:extLst>
+  </p:cSld>
+  <p:clrMapOvr>
+    <a:masterClrMapping/>
+  </p:clrMapOvr>
+</p:notes>
+</file>
+
+<file path=ppt/notesSlides/notesSlide153.xml><?xml version="1.0" encoding="utf-8"?>
+<p:notes xmlns:a="http://schemas.openxmlformats.org/drawingml/2006/main" xmlns:r="http://schemas.openxmlformats.org/officeDocument/2006/relationships" xmlns:p="http://schemas.openxmlformats.org/presentationml/2006/main">
+  <p:cSld>
+    <p:spTree>
+      <p:nvGrpSpPr>
+        <p:cNvPr id="1" name=""/>
+        <p:cNvGrpSpPr/>
+        <p:nvPr/>
+      </p:nvGrpSpPr>
+      <p:grpSpPr>
+        <a:xfrm>
+          <a:off x="0" y="0"/>
+          <a:ext cx="0" cy="0"/>
+          <a:chOff x="0" y="0"/>
+          <a:chExt cx="0" cy="0"/>
+        </a:xfrm>
+      </p:grpSpPr>
+      <p:sp>
+        <p:nvSpPr>
+          <p:cNvPr id="2" name="Espace réservé de l'image des diapositives 1"/>
+          <p:cNvSpPr>
+            <a:spLocks noGrp="1" noRot="1" noChangeAspect="1"/>
+          </p:cNvSpPr>
+          <p:nvPr>
+            <p:ph type="sldImg"/>
+          </p:nvPr>
+        </p:nvSpPr>
+        <p:spPr/>
+      </p:sp>
+      <p:sp>
+        <p:nvSpPr>
+          <p:cNvPr id="3" name="Espace réservé des commentaires 2"/>
+          <p:cNvSpPr>
+            <a:spLocks noGrp="1"/>
+          </p:cNvSpPr>
+          <p:nvPr>
+            <p:ph type="body" idx="1"/>
+          </p:nvPr>
+        </p:nvSpPr>
+        <p:spPr/>
+        <p:txBody>
+          <a:bodyPr/>
+          <a:lstStyle/>
+          <a:p>
+            <a:endParaRPr lang="fr-FR" dirty="0"/>
+          </a:p>
+        </p:txBody>
+      </p:sp>
+      <p:sp>
+        <p:nvSpPr>
+          <p:cNvPr id="4" name="Espace réservé du numéro de diapositive 3"/>
+          <p:cNvSpPr>
+            <a:spLocks noGrp="1"/>
+          </p:cNvSpPr>
+          <p:nvPr>
+            <p:ph type="sldNum" sz="quarter" idx="10"/>
+          </p:nvPr>
+        </p:nvSpPr>
+        <p:spPr/>
+        <p:txBody>
+          <a:bodyPr/>
+          <a:lstStyle/>
+          <a:p>
+            <a:fld id="{58BEE673-8D3B-4BBD-97EB-7004EF7CF6EF}" type="slidenum">
+              <a:rPr lang="fr-FR" smtClean="0"/>
+              <a:t>154</a:t>
+            </a:fld>
+            <a:endParaRPr lang="fr-FR" dirty="0"/>
+          </a:p>
+        </p:txBody>
+      </p:sp>
+    </p:spTree>
+    <p:extLst>
+      <p:ext uri="{BB962C8B-B14F-4D97-AF65-F5344CB8AC3E}">
+        <p14:creationId xmlns:p14="http://schemas.microsoft.com/office/powerpoint/2010/main" val="1785263117"/>
+      </p:ext>
+    </p:extLst>
+  </p:cSld>
+  <p:clrMapOvr>
+    <a:masterClrMapping/>
+  </p:clrMapOvr>
+</p:notes>
+</file>
+
+<file path=ppt/notesSlides/notesSlide154.xml><?xml version="1.0" encoding="utf-8"?>
+<p:notes xmlns:a="http://schemas.openxmlformats.org/drawingml/2006/main" xmlns:r="http://schemas.openxmlformats.org/officeDocument/2006/relationships" xmlns:p="http://schemas.openxmlformats.org/presentationml/2006/main">
+  <p:cSld>
+    <p:spTree>
+      <p:nvGrpSpPr>
+        <p:cNvPr id="1" name=""/>
+        <p:cNvGrpSpPr/>
+        <p:nvPr/>
+      </p:nvGrpSpPr>
+      <p:grpSpPr>
+        <a:xfrm>
+          <a:off x="0" y="0"/>
+          <a:ext cx="0" cy="0"/>
+          <a:chOff x="0" y="0"/>
+          <a:chExt cx="0" cy="0"/>
+        </a:xfrm>
+      </p:grpSpPr>
+      <p:sp>
+        <p:nvSpPr>
+          <p:cNvPr id="2" name="Espace réservé de l'image des diapositives 1"/>
+          <p:cNvSpPr>
+            <a:spLocks noGrp="1" noRot="1" noChangeAspect="1"/>
+          </p:cNvSpPr>
+          <p:nvPr>
+            <p:ph type="sldImg"/>
+          </p:nvPr>
+        </p:nvSpPr>
+        <p:spPr/>
+      </p:sp>
+      <p:sp>
+        <p:nvSpPr>
+          <p:cNvPr id="3" name="Espace réservé des commentaires 2"/>
+          <p:cNvSpPr>
+            <a:spLocks noGrp="1"/>
+          </p:cNvSpPr>
+          <p:nvPr>
+            <p:ph type="body" idx="1"/>
+          </p:nvPr>
+        </p:nvSpPr>
+        <p:spPr/>
+        <p:txBody>
+          <a:bodyPr/>
+          <a:lstStyle/>
+          <a:p>
+            <a:endParaRPr lang="fr-FR" dirty="0"/>
+          </a:p>
+        </p:txBody>
+      </p:sp>
+      <p:sp>
+        <p:nvSpPr>
+          <p:cNvPr id="4" name="Espace réservé du numéro de diapositive 3"/>
+          <p:cNvSpPr>
+            <a:spLocks noGrp="1"/>
+          </p:cNvSpPr>
+          <p:nvPr>
+            <p:ph type="sldNum" sz="quarter" idx="10"/>
+          </p:nvPr>
+        </p:nvSpPr>
+        <p:spPr/>
+        <p:txBody>
+          <a:bodyPr/>
+          <a:lstStyle/>
+          <a:p>
+            <a:fld id="{58BEE673-8D3B-4BBD-97EB-7004EF7CF6EF}" type="slidenum">
+              <a:rPr lang="fr-FR" smtClean="0"/>
+              <a:t>155</a:t>
+            </a:fld>
+            <a:endParaRPr lang="fr-FR" dirty="0"/>
+          </a:p>
+        </p:txBody>
+      </p:sp>
+    </p:spTree>
+    <p:extLst>
+      <p:ext uri="{BB962C8B-B14F-4D97-AF65-F5344CB8AC3E}">
+        <p14:creationId xmlns:p14="http://schemas.microsoft.com/office/powerpoint/2010/main" val="3158510546"/>
+      </p:ext>
+    </p:extLst>
+  </p:cSld>
+  <p:clrMapOvr>
+    <a:masterClrMapping/>
+  </p:clrMapOvr>
+</p:notes>
+</file>
+
+<file path=ppt/notesSlides/notesSlide155.xml><?xml version="1.0" encoding="utf-8"?>
+<p:notes xmlns:a="http://schemas.openxmlformats.org/drawingml/2006/main" xmlns:r="http://schemas.openxmlformats.org/officeDocument/2006/relationships" xmlns:p="http://schemas.openxmlformats.org/presentationml/2006/main">
+  <p:cSld>
+    <p:spTree>
+      <p:nvGrpSpPr>
+        <p:cNvPr id="1" name=""/>
+        <p:cNvGrpSpPr/>
+        <p:nvPr/>
+      </p:nvGrpSpPr>
+      <p:grpSpPr>
+        <a:xfrm>
+          <a:off x="0" y="0"/>
+          <a:ext cx="0" cy="0"/>
+          <a:chOff x="0" y="0"/>
+          <a:chExt cx="0" cy="0"/>
+        </a:xfrm>
+      </p:grpSpPr>
+      <p:sp>
+        <p:nvSpPr>
+          <p:cNvPr id="2" name="Espace réservé de l'image des diapositives 1"/>
+          <p:cNvSpPr>
+            <a:spLocks noGrp="1" noRot="1" noChangeAspect="1"/>
+          </p:cNvSpPr>
+          <p:nvPr>
+            <p:ph type="sldImg"/>
+          </p:nvPr>
+        </p:nvSpPr>
+        <p:spPr/>
+      </p:sp>
+      <p:sp>
+        <p:nvSpPr>
+          <p:cNvPr id="3" name="Espace réservé des commentaires 2"/>
+          <p:cNvSpPr>
+            <a:spLocks noGrp="1"/>
+          </p:cNvSpPr>
+          <p:nvPr>
+            <p:ph type="body" idx="1"/>
+          </p:nvPr>
+        </p:nvSpPr>
+        <p:spPr/>
+        <p:txBody>
+          <a:bodyPr/>
+          <a:lstStyle/>
+          <a:p>
+            <a:endParaRPr lang="fr-FR" dirty="0"/>
+          </a:p>
+        </p:txBody>
+      </p:sp>
+      <p:sp>
+        <p:nvSpPr>
+          <p:cNvPr id="4" name="Espace réservé du numéro de diapositive 3"/>
+          <p:cNvSpPr>
+            <a:spLocks noGrp="1"/>
+          </p:cNvSpPr>
+          <p:nvPr>
+            <p:ph type="sldNum" sz="quarter" idx="10"/>
+          </p:nvPr>
+        </p:nvSpPr>
+        <p:spPr/>
+        <p:txBody>
+          <a:bodyPr/>
+          <a:lstStyle/>
+          <a:p>
+            <a:fld id="{58BEE673-8D3B-4BBD-97EB-7004EF7CF6EF}" type="slidenum">
+              <a:rPr lang="fr-FR" smtClean="0"/>
+              <a:t>156</a:t>
+            </a:fld>
+            <a:endParaRPr lang="fr-FR" dirty="0"/>
+          </a:p>
+        </p:txBody>
+      </p:sp>
+    </p:spTree>
+    <p:extLst>
+      <p:ext uri="{BB962C8B-B14F-4D97-AF65-F5344CB8AC3E}">
+        <p14:creationId xmlns:p14="http://schemas.microsoft.com/office/powerpoint/2010/main" val="371596640"/>
+      </p:ext>
+    </p:extLst>
+  </p:cSld>
+  <p:clrMapOvr>
+    <a:masterClrMapping/>
+  </p:clrMapOvr>
+</p:notes>
+</file>
+
+<file path=ppt/notesSlides/notesSlide156.xml><?xml version="1.0" encoding="utf-8"?>
+<p:notes xmlns:a="http://schemas.openxmlformats.org/drawingml/2006/main" xmlns:r="http://schemas.openxmlformats.org/officeDocument/2006/relationships" xmlns:p="http://schemas.openxmlformats.org/presentationml/2006/main">
+  <p:cSld>
+    <p:spTree>
+      <p:nvGrpSpPr>
+        <p:cNvPr id="1" name=""/>
+        <p:cNvGrpSpPr/>
+        <p:nvPr/>
+      </p:nvGrpSpPr>
+      <p:grpSpPr>
+        <a:xfrm>
+          <a:off x="0" y="0"/>
+          <a:ext cx="0" cy="0"/>
+          <a:chOff x="0" y="0"/>
+          <a:chExt cx="0" cy="0"/>
+        </a:xfrm>
+      </p:grpSpPr>
+      <p:sp>
+        <p:nvSpPr>
+          <p:cNvPr id="2" name="Espace réservé de l'image des diapositives 1"/>
+          <p:cNvSpPr>
+            <a:spLocks noGrp="1" noRot="1" noChangeAspect="1"/>
+          </p:cNvSpPr>
+          <p:nvPr>
+            <p:ph type="sldImg"/>
+          </p:nvPr>
+        </p:nvSpPr>
+        <p:spPr/>
+      </p:sp>
+      <p:sp>
+        <p:nvSpPr>
+          <p:cNvPr id="3" name="Espace réservé des commentaires 2"/>
+          <p:cNvSpPr>
+            <a:spLocks noGrp="1"/>
+          </p:cNvSpPr>
+          <p:nvPr>
+            <p:ph type="body" idx="1"/>
+          </p:nvPr>
+        </p:nvSpPr>
+        <p:spPr/>
+        <p:txBody>
+          <a:bodyPr/>
+          <a:lstStyle/>
+          <a:p>
+            <a:endParaRPr lang="fr-FR" dirty="0"/>
+          </a:p>
+        </p:txBody>
+      </p:sp>
+      <p:sp>
+        <p:nvSpPr>
+          <p:cNvPr id="4" name="Espace réservé du numéro de diapositive 3"/>
+          <p:cNvSpPr>
+            <a:spLocks noGrp="1"/>
+          </p:cNvSpPr>
+          <p:nvPr>
+            <p:ph type="sldNum" sz="quarter" idx="10"/>
+          </p:nvPr>
+        </p:nvSpPr>
+        <p:spPr/>
+        <p:txBody>
+          <a:bodyPr/>
+          <a:lstStyle/>
+          <a:p>
+            <a:fld id="{58BEE673-8D3B-4BBD-97EB-7004EF7CF6EF}" type="slidenum">
+              <a:rPr lang="fr-FR" smtClean="0"/>
+              <a:t>157</a:t>
+            </a:fld>
+            <a:endParaRPr lang="fr-FR" dirty="0"/>
+          </a:p>
+        </p:txBody>
+      </p:sp>
+    </p:spTree>
+    <p:extLst>
+      <p:ext uri="{BB962C8B-B14F-4D97-AF65-F5344CB8AC3E}">
+        <p14:creationId xmlns:p14="http://schemas.microsoft.com/office/powerpoint/2010/main" val="1138633648"/>
+      </p:ext>
+    </p:extLst>
+  </p:cSld>
+  <p:clrMapOvr>
+    <a:masterClrMapping/>
+  </p:clrMapOvr>
+</p:notes>
+</file>
+
+<file path=ppt/notesSlides/notesSlide157.xml><?xml version="1.0" encoding="utf-8"?>
+<p:notes xmlns:a="http://schemas.openxmlformats.org/drawingml/2006/main" xmlns:r="http://schemas.openxmlformats.org/officeDocument/2006/relationships" xmlns:p="http://schemas.openxmlformats.org/presentationml/2006/main">
+  <p:cSld>
+    <p:spTree>
+      <p:nvGrpSpPr>
+        <p:cNvPr id="1" name=""/>
+        <p:cNvGrpSpPr/>
+        <p:nvPr/>
+      </p:nvGrpSpPr>
+      <p:grpSpPr>
+        <a:xfrm>
+          <a:off x="0" y="0"/>
+          <a:ext cx="0" cy="0"/>
+          <a:chOff x="0" y="0"/>
+          <a:chExt cx="0" cy="0"/>
+        </a:xfrm>
+      </p:grpSpPr>
+      <p:sp>
+        <p:nvSpPr>
+          <p:cNvPr id="2" name="Espace réservé de l'image des diapositives 1"/>
+          <p:cNvSpPr>
+            <a:spLocks noGrp="1" noRot="1" noChangeAspect="1"/>
+          </p:cNvSpPr>
+          <p:nvPr>
+            <p:ph type="sldImg"/>
+          </p:nvPr>
+        </p:nvSpPr>
+        <p:spPr/>
+      </p:sp>
+      <p:sp>
+        <p:nvSpPr>
+          <p:cNvPr id="3" name="Espace réservé des commentaires 2"/>
+          <p:cNvSpPr>
+            <a:spLocks noGrp="1"/>
+          </p:cNvSpPr>
+          <p:nvPr>
+            <p:ph type="body" idx="1"/>
+          </p:nvPr>
+        </p:nvSpPr>
+        <p:spPr/>
+        <p:txBody>
+          <a:bodyPr/>
+          <a:lstStyle/>
+          <a:p>
+            <a:endParaRPr lang="fr-FR" dirty="0"/>
+          </a:p>
+        </p:txBody>
+      </p:sp>
+      <p:sp>
+        <p:nvSpPr>
+          <p:cNvPr id="4" name="Espace réservé du numéro de diapositive 3"/>
+          <p:cNvSpPr>
+            <a:spLocks noGrp="1"/>
+          </p:cNvSpPr>
+          <p:nvPr>
+            <p:ph type="sldNum" sz="quarter" idx="10"/>
+          </p:nvPr>
+        </p:nvSpPr>
+        <p:spPr/>
+        <p:txBody>
+          <a:bodyPr/>
+          <a:lstStyle/>
+          <a:p>
+            <a:fld id="{58BEE673-8D3B-4BBD-97EB-7004EF7CF6EF}" type="slidenum">
+              <a:rPr lang="fr-FR" smtClean="0"/>
+              <a:t>158</a:t>
+            </a:fld>
+            <a:endParaRPr lang="fr-FR" dirty="0"/>
+          </a:p>
+        </p:txBody>
+      </p:sp>
+    </p:spTree>
+    <p:extLst>
+      <p:ext uri="{BB962C8B-B14F-4D97-AF65-F5344CB8AC3E}">
+        <p14:creationId xmlns:p14="http://schemas.microsoft.com/office/powerpoint/2010/main" val="875976532"/>
+      </p:ext>
+    </p:extLst>
+  </p:cSld>
+  <p:clrMapOvr>
+    <a:masterClrMapping/>
+  </p:clrMapOvr>
+</p:notes>
+</file>
+
+<file path=ppt/notesSlides/notesSlide158.xml><?xml version="1.0" encoding="utf-8"?>
+<p:notes xmlns:a="http://schemas.openxmlformats.org/drawingml/2006/main" xmlns:r="http://schemas.openxmlformats.org/officeDocument/2006/relationships" xmlns:p="http://schemas.openxmlformats.org/presentationml/2006/main">
+  <p:cSld>
+    <p:spTree>
+      <p:nvGrpSpPr>
+        <p:cNvPr id="1" name=""/>
+        <p:cNvGrpSpPr/>
+        <p:nvPr/>
+      </p:nvGrpSpPr>
+      <p:grpSpPr>
+        <a:xfrm>
+          <a:off x="0" y="0"/>
+          <a:ext cx="0" cy="0"/>
+          <a:chOff x="0" y="0"/>
+          <a:chExt cx="0" cy="0"/>
+        </a:xfrm>
+      </p:grpSpPr>
+      <p:sp>
+        <p:nvSpPr>
+          <p:cNvPr id="2" name="Espace réservé de l'image des diapositives 1"/>
+          <p:cNvSpPr>
+            <a:spLocks noGrp="1" noRot="1" noChangeAspect="1"/>
+          </p:cNvSpPr>
+          <p:nvPr>
+            <p:ph type="sldImg"/>
+          </p:nvPr>
+        </p:nvSpPr>
+        <p:spPr/>
+      </p:sp>
+      <p:sp>
+        <p:nvSpPr>
+          <p:cNvPr id="3" name="Espace réservé des commentaires 2"/>
+          <p:cNvSpPr>
+            <a:spLocks noGrp="1"/>
+          </p:cNvSpPr>
+          <p:nvPr>
+            <p:ph type="body" idx="1"/>
+          </p:nvPr>
+        </p:nvSpPr>
+        <p:spPr/>
+        <p:txBody>
+          <a:bodyPr/>
+          <a:lstStyle/>
+          <a:p>
+            <a:endParaRPr lang="fr-FR" dirty="0"/>
+          </a:p>
+        </p:txBody>
+      </p:sp>
+      <p:sp>
+        <p:nvSpPr>
+          <p:cNvPr id="4" name="Espace réservé du numéro de diapositive 3"/>
+          <p:cNvSpPr>
+            <a:spLocks noGrp="1"/>
+          </p:cNvSpPr>
+          <p:nvPr>
+            <p:ph type="sldNum" sz="quarter" idx="10"/>
+          </p:nvPr>
+        </p:nvSpPr>
+        <p:spPr/>
+        <p:txBody>
+          <a:bodyPr/>
+          <a:lstStyle/>
+          <a:p>
+            <a:fld id="{58BEE673-8D3B-4BBD-97EB-7004EF7CF6EF}" type="slidenum">
+              <a:rPr lang="fr-FR" smtClean="0"/>
+              <a:t>159</a:t>
+            </a:fld>
+            <a:endParaRPr lang="fr-FR" dirty="0"/>
+          </a:p>
+        </p:txBody>
+      </p:sp>
+    </p:spTree>
+    <p:extLst>
+      <p:ext uri="{BB962C8B-B14F-4D97-AF65-F5344CB8AC3E}">
+        <p14:creationId xmlns:p14="http://schemas.microsoft.com/office/powerpoint/2010/main" val="3856483357"/>
+      </p:ext>
+    </p:extLst>
+  </p:cSld>
+  <p:clrMapOvr>
+    <a:masterClrMapping/>
+  </p:clrMapOvr>
+</p:notes>
+</file>
+
+<file path=ppt/notesSlides/notesSlide159.xml><?xml version="1.0" encoding="utf-8"?>
+<p:notes xmlns:a="http://schemas.openxmlformats.org/drawingml/2006/main" xmlns:r="http://schemas.openxmlformats.org/officeDocument/2006/relationships" xmlns:p="http://schemas.openxmlformats.org/presentationml/2006/main">
+  <p:cSld>
+    <p:spTree>
+      <p:nvGrpSpPr>
+        <p:cNvPr id="1" name=""/>
+        <p:cNvGrpSpPr/>
+        <p:nvPr/>
+      </p:nvGrpSpPr>
+      <p:grpSpPr>
+        <a:xfrm>
+          <a:off x="0" y="0"/>
+          <a:ext cx="0" cy="0"/>
+          <a:chOff x="0" y="0"/>
+          <a:chExt cx="0" cy="0"/>
+        </a:xfrm>
+      </p:grpSpPr>
+      <p:sp>
+        <p:nvSpPr>
+          <p:cNvPr id="2" name="Espace réservé de l'image des diapositives 1"/>
+          <p:cNvSpPr>
+            <a:spLocks noGrp="1" noRot="1" noChangeAspect="1"/>
+          </p:cNvSpPr>
+          <p:nvPr>
+            <p:ph type="sldImg"/>
+          </p:nvPr>
+        </p:nvSpPr>
+        <p:spPr/>
+      </p:sp>
+      <p:sp>
+        <p:nvSpPr>
+          <p:cNvPr id="3" name="Espace réservé des commentaires 2"/>
+          <p:cNvSpPr>
+            <a:spLocks noGrp="1"/>
+          </p:cNvSpPr>
+          <p:nvPr>
+            <p:ph type="body" idx="1"/>
+          </p:nvPr>
+        </p:nvSpPr>
+        <p:spPr/>
+        <p:txBody>
+          <a:bodyPr/>
+          <a:lstStyle/>
+          <a:p>
+            <a:endParaRPr lang="fr-FR" dirty="0"/>
+          </a:p>
+        </p:txBody>
+      </p:sp>
+      <p:sp>
+        <p:nvSpPr>
+          <p:cNvPr id="4" name="Espace réservé du numéro de diapositive 3"/>
+          <p:cNvSpPr>
+            <a:spLocks noGrp="1"/>
+          </p:cNvSpPr>
+          <p:nvPr>
+            <p:ph type="sldNum" sz="quarter" idx="10"/>
+          </p:nvPr>
+        </p:nvSpPr>
+        <p:spPr/>
+        <p:txBody>
+          <a:bodyPr/>
+          <a:lstStyle/>
+          <a:p>
+            <a:fld id="{58BEE673-8D3B-4BBD-97EB-7004EF7CF6EF}" type="slidenum">
+              <a:rPr lang="fr-FR" smtClean="0"/>
+              <a:t>160</a:t>
+            </a:fld>
+            <a:endParaRPr lang="fr-FR" dirty="0"/>
+          </a:p>
+        </p:txBody>
+      </p:sp>
+    </p:spTree>
+    <p:extLst>
+      <p:ext uri="{BB962C8B-B14F-4D97-AF65-F5344CB8AC3E}">
+        <p14:creationId xmlns:p14="http://schemas.microsoft.com/office/powerpoint/2010/main" val="831955769"/>
       </p:ext>
     </p:extLst>
   </p:cSld>
@@ -5732,6 +6328,90 @@
     <p:extLst>
       <p:ext uri="{BB962C8B-B14F-4D97-AF65-F5344CB8AC3E}">
         <p14:creationId xmlns:p14="http://schemas.microsoft.com/office/powerpoint/2010/main" val="3839000903"/>
+      </p:ext>
+    </p:extLst>
+  </p:cSld>
+  <p:clrMapOvr>
+    <a:masterClrMapping/>
+  </p:clrMapOvr>
+</p:notes>
+</file>
+
+<file path=ppt/notesSlides/notesSlide160.xml><?xml version="1.0" encoding="utf-8"?>
+<p:notes xmlns:a="http://schemas.openxmlformats.org/drawingml/2006/main" xmlns:r="http://schemas.openxmlformats.org/officeDocument/2006/relationships" xmlns:p="http://schemas.openxmlformats.org/presentationml/2006/main">
+  <p:cSld>
+    <p:spTree>
+      <p:nvGrpSpPr>
+        <p:cNvPr id="1" name=""/>
+        <p:cNvGrpSpPr/>
+        <p:nvPr/>
+      </p:nvGrpSpPr>
+      <p:grpSpPr>
+        <a:xfrm>
+          <a:off x="0" y="0"/>
+          <a:ext cx="0" cy="0"/>
+          <a:chOff x="0" y="0"/>
+          <a:chExt cx="0" cy="0"/>
+        </a:xfrm>
+      </p:grpSpPr>
+      <p:sp>
+        <p:nvSpPr>
+          <p:cNvPr id="2" name="Espace réservé de l'image des diapositives 1"/>
+          <p:cNvSpPr>
+            <a:spLocks noGrp="1" noRot="1" noChangeAspect="1"/>
+          </p:cNvSpPr>
+          <p:nvPr>
+            <p:ph type="sldImg"/>
+          </p:nvPr>
+        </p:nvSpPr>
+        <p:spPr/>
+      </p:sp>
+      <p:sp>
+        <p:nvSpPr>
+          <p:cNvPr id="3" name="Espace réservé des commentaires 2"/>
+          <p:cNvSpPr>
+            <a:spLocks noGrp="1"/>
+          </p:cNvSpPr>
+          <p:nvPr>
+            <p:ph type="body" idx="1"/>
+          </p:nvPr>
+        </p:nvSpPr>
+        <p:spPr/>
+        <p:txBody>
+          <a:bodyPr/>
+          <a:lstStyle/>
+          <a:p>
+            <a:endParaRPr lang="fr-FR" dirty="0"/>
+          </a:p>
+        </p:txBody>
+      </p:sp>
+      <p:sp>
+        <p:nvSpPr>
+          <p:cNvPr id="4" name="Espace réservé du numéro de diapositive 3"/>
+          <p:cNvSpPr>
+            <a:spLocks noGrp="1"/>
+          </p:cNvSpPr>
+          <p:nvPr>
+            <p:ph type="sldNum" sz="quarter" idx="10"/>
+          </p:nvPr>
+        </p:nvSpPr>
+        <p:spPr/>
+        <p:txBody>
+          <a:bodyPr/>
+          <a:lstStyle/>
+          <a:p>
+            <a:fld id="{58BEE673-8D3B-4BBD-97EB-7004EF7CF6EF}" type="slidenum">
+              <a:rPr lang="fr-FR" smtClean="0"/>
+              <a:t>161</a:t>
+            </a:fld>
+            <a:endParaRPr lang="fr-FR" dirty="0"/>
+          </a:p>
+        </p:txBody>
+      </p:sp>
+    </p:spTree>
+    <p:extLst>
+      <p:ext uri="{BB962C8B-B14F-4D97-AF65-F5344CB8AC3E}">
+        <p14:creationId xmlns:p14="http://schemas.microsoft.com/office/powerpoint/2010/main" val="4283531152"/>
       </p:ext>
     </p:extLst>
   </p:cSld>
@@ -21567,11 +22247,7 @@
           <a:p>
             <a:r>
               <a:rPr lang="fr-FR" dirty="0" smtClean="0"/>
-              <a:t>Python </a:t>
-            </a:r>
-            <a:r>
-              <a:rPr lang="fr-FR" dirty="0" smtClean="0"/>
-              <a:t>Concurrence</a:t>
+              <a:t>Python Concurrence</a:t>
             </a:r>
             <a:endParaRPr lang="fr-FR" dirty="0"/>
           </a:p>
@@ -40699,7 +41375,7 @@
     </p:spTree>
     <p:extLst>
       <p:ext uri="{BB962C8B-B14F-4D97-AF65-F5344CB8AC3E}">
-        <p14:creationId xmlns:p14="http://schemas.microsoft.com/office/powerpoint/2010/main" val="1463762456"/>
+        <p14:creationId xmlns:p14="http://schemas.microsoft.com/office/powerpoint/2010/main" val="4151708035"/>
       </p:ext>
     </p:extLst>
   </p:cSld>
@@ -41049,6 +41725,16 @@
           <a:prstGeom prst="rect">
             <a:avLst/>
           </a:prstGeom>
+          <a:ln>
+            <a:noFill/>
+          </a:ln>
+          <a:effectLst>
+            <a:outerShdw blurRad="292100" dist="139700" dir="2700000" algn="tl" rotWithShape="0">
+              <a:srgbClr val="333333">
+                <a:alpha val="65000"/>
+              </a:srgbClr>
+            </a:outerShdw>
+          </a:effectLst>
         </p:spPr>
       </p:pic>
     </p:spTree>
@@ -41100,107 +41786,386 @@
         </p:nvSpPr>
         <p:spPr>
           <a:xfrm>
-            <a:off x="2592925" y="624110"/>
-            <a:ext cx="8911687" cy="1280890"/>
+            <a:off x="1979874" y="624110"/>
+            <a:ext cx="9907325" cy="664001"/>
           </a:xfrm>
         </p:spPr>
         <p:txBody>
-          <a:bodyPr/>
-          <a:lstStyle/>
-          <a:p>
-            <a:r>
-              <a:rPr lang="fr-FR" dirty="0" smtClean="0"/>
-              <a:t>Références</a:t>
-            </a:r>
-            <a:endParaRPr lang="fr-FR" dirty="0"/>
-          </a:p>
-        </p:txBody>
-      </p:sp>
-      <p:sp>
-        <p:nvSpPr>
-          <p:cNvPr id="3" name="Espace réservé du contenu 2"/>
-          <p:cNvSpPr>
-            <a:spLocks noGrp="1"/>
-          </p:cNvSpPr>
-          <p:nvPr>
-            <p:ph idx="1"/>
-          </p:nvPr>
+          <a:bodyPr>
+            <a:normAutofit/>
+          </a:bodyPr>
+          <a:lstStyle/>
+          <a:p>
+            <a:r>
+              <a:rPr lang="fr-FR" dirty="0" smtClean="0">
+                <a:solidFill>
+                  <a:schemeClr val="tx1"/>
+                </a:solidFill>
+              </a:rPr>
+              <a:t>Rlocks vs Locks</a:t>
+            </a:r>
+            <a:endParaRPr lang="fr-FR" b="1" i="1" dirty="0">
+              <a:solidFill>
+                <a:schemeClr val="accent6"/>
+              </a:solidFill>
+            </a:endParaRPr>
+          </a:p>
+        </p:txBody>
+      </p:sp>
+      <p:sp>
+        <p:nvSpPr>
+          <p:cNvPr id="8" name="Espace réservé du contenu 2"/>
+          <p:cNvSpPr txBox="1">
+            <a:spLocks/>
+          </p:cNvSpPr>
+          <p:nvPr/>
         </p:nvSpPr>
         <p:spPr>
           <a:xfrm>
-            <a:off x="1661823" y="1542413"/>
-            <a:ext cx="9842789" cy="2965977"/>
+            <a:off x="1383527" y="1916264"/>
+            <a:ext cx="5438692" cy="4436828"/>
           </a:xfrm>
+          <a:prstGeom prst="rect">
+            <a:avLst/>
+          </a:prstGeom>
         </p:spPr>
         <p:txBody>
-          <a:bodyPr anchor="ctr" anchorCtr="0">
+          <a:bodyPr vert="horz" lIns="91440" tIns="45720" rIns="91440" bIns="45720" rtlCol="0" anchor="ctr">
             <a:normAutofit/>
           </a:bodyPr>
-          <a:lstStyle/>
-          <a:p>
-            <a:pPr algn="just"/>
-            <a:r>
-              <a:rPr lang="fr-FR" dirty="0" smtClean="0">
-                <a:solidFill>
-                  <a:schemeClr val="tx1"/>
-                </a:solidFill>
-              </a:rPr>
-              <a:t>Python.org </a:t>
-            </a:r>
+          <a:lstStyle>
+            <a:lvl1pPr marL="342900" indent="-342900" algn="l" defTabSz="457200" rtl="0" eaLnBrk="1" latinLnBrk="0" hangingPunct="1">
+              <a:spcBef>
+                <a:spcPts val="1000"/>
+              </a:spcBef>
+              <a:spcAft>
+                <a:spcPts val="0"/>
+              </a:spcAft>
+              <a:buClr>
+                <a:schemeClr val="accent1"/>
+              </a:buClr>
+              <a:buFont typeface="Wingdings 3" charset="2"/>
+              <a:buChar char=""/>
+              <a:defRPr sz="1800" kern="1200">
+                <a:solidFill>
+                  <a:schemeClr val="tx1">
+                    <a:lumMod val="75000"/>
+                    <a:lumOff val="25000"/>
+                  </a:schemeClr>
+                </a:solidFill>
+                <a:latin typeface="+mn-lt"/>
+                <a:ea typeface="+mn-ea"/>
+                <a:cs typeface="+mn-cs"/>
+              </a:defRPr>
+            </a:lvl1pPr>
+            <a:lvl2pPr marL="742950" indent="-285750" algn="l" defTabSz="457200" rtl="0" eaLnBrk="1" latinLnBrk="0" hangingPunct="1">
+              <a:spcBef>
+                <a:spcPts val="1000"/>
+              </a:spcBef>
+              <a:spcAft>
+                <a:spcPts val="0"/>
+              </a:spcAft>
+              <a:buClr>
+                <a:schemeClr val="accent1"/>
+              </a:buClr>
+              <a:buFont typeface="Wingdings 3" charset="2"/>
+              <a:buChar char=""/>
+              <a:defRPr sz="1600" kern="1200">
+                <a:solidFill>
+                  <a:schemeClr val="tx1">
+                    <a:lumMod val="75000"/>
+                    <a:lumOff val="25000"/>
+                  </a:schemeClr>
+                </a:solidFill>
+                <a:latin typeface="+mn-lt"/>
+                <a:ea typeface="+mn-ea"/>
+                <a:cs typeface="+mn-cs"/>
+              </a:defRPr>
+            </a:lvl2pPr>
+            <a:lvl3pPr marL="1143000" indent="-228600" algn="l" defTabSz="457200" rtl="0" eaLnBrk="1" latinLnBrk="0" hangingPunct="1">
+              <a:spcBef>
+                <a:spcPts val="1000"/>
+              </a:spcBef>
+              <a:spcAft>
+                <a:spcPts val="0"/>
+              </a:spcAft>
+              <a:buClr>
+                <a:schemeClr val="accent1"/>
+              </a:buClr>
+              <a:buFont typeface="Wingdings 3" charset="2"/>
+              <a:buChar char=""/>
+              <a:defRPr sz="1400" kern="1200">
+                <a:solidFill>
+                  <a:schemeClr val="tx1">
+                    <a:lumMod val="75000"/>
+                    <a:lumOff val="25000"/>
+                  </a:schemeClr>
+                </a:solidFill>
+                <a:latin typeface="+mn-lt"/>
+                <a:ea typeface="+mn-ea"/>
+                <a:cs typeface="+mn-cs"/>
+              </a:defRPr>
+            </a:lvl3pPr>
+            <a:lvl4pPr marL="1600200" indent="-228600" algn="l" defTabSz="457200" rtl="0" eaLnBrk="1" latinLnBrk="0" hangingPunct="1">
+              <a:spcBef>
+                <a:spcPts val="1000"/>
+              </a:spcBef>
+              <a:spcAft>
+                <a:spcPts val="0"/>
+              </a:spcAft>
+              <a:buClr>
+                <a:schemeClr val="accent1"/>
+              </a:buClr>
+              <a:buFont typeface="Wingdings 3" charset="2"/>
+              <a:buChar char=""/>
+              <a:defRPr sz="1200" kern="1200">
+                <a:solidFill>
+                  <a:schemeClr val="tx1">
+                    <a:lumMod val="75000"/>
+                    <a:lumOff val="25000"/>
+                  </a:schemeClr>
+                </a:solidFill>
+                <a:latin typeface="+mn-lt"/>
+                <a:ea typeface="+mn-ea"/>
+                <a:cs typeface="+mn-cs"/>
+              </a:defRPr>
+            </a:lvl4pPr>
+            <a:lvl5pPr marL="2057400" indent="-228600" algn="l" defTabSz="457200" rtl="0" eaLnBrk="1" latinLnBrk="0" hangingPunct="1">
+              <a:spcBef>
+                <a:spcPts val="1000"/>
+              </a:spcBef>
+              <a:spcAft>
+                <a:spcPts val="0"/>
+              </a:spcAft>
+              <a:buClr>
+                <a:schemeClr val="accent1"/>
+              </a:buClr>
+              <a:buFont typeface="Wingdings 3" charset="2"/>
+              <a:buChar char=""/>
+              <a:defRPr sz="1200" kern="1200">
+                <a:solidFill>
+                  <a:schemeClr val="tx1">
+                    <a:lumMod val="75000"/>
+                    <a:lumOff val="25000"/>
+                  </a:schemeClr>
+                </a:solidFill>
+                <a:latin typeface="+mn-lt"/>
+                <a:ea typeface="+mn-ea"/>
+                <a:cs typeface="+mn-cs"/>
+              </a:defRPr>
+            </a:lvl5pPr>
+            <a:lvl6pPr marL="2514600" indent="-228600" algn="l" defTabSz="457200" rtl="0" eaLnBrk="1" latinLnBrk="0" hangingPunct="1">
+              <a:spcBef>
+                <a:spcPts val="1000"/>
+              </a:spcBef>
+              <a:spcAft>
+                <a:spcPts val="0"/>
+              </a:spcAft>
+              <a:buClr>
+                <a:schemeClr val="accent1"/>
+              </a:buClr>
+              <a:buFont typeface="Wingdings 3" charset="2"/>
+              <a:buChar char=""/>
+              <a:defRPr sz="1200" kern="1200">
+                <a:solidFill>
+                  <a:schemeClr val="tx1">
+                    <a:lumMod val="75000"/>
+                    <a:lumOff val="25000"/>
+                  </a:schemeClr>
+                </a:solidFill>
+                <a:latin typeface="+mn-lt"/>
+                <a:ea typeface="+mn-ea"/>
+                <a:cs typeface="+mn-cs"/>
+              </a:defRPr>
+            </a:lvl6pPr>
+            <a:lvl7pPr marL="2971800" indent="-228600" algn="l" defTabSz="457200" rtl="0" eaLnBrk="1" latinLnBrk="0" hangingPunct="1">
+              <a:spcBef>
+                <a:spcPts val="1000"/>
+              </a:spcBef>
+              <a:spcAft>
+                <a:spcPts val="0"/>
+              </a:spcAft>
+              <a:buClr>
+                <a:schemeClr val="accent1"/>
+              </a:buClr>
+              <a:buFont typeface="Wingdings 3" charset="2"/>
+              <a:buChar char=""/>
+              <a:defRPr sz="1200" kern="1200">
+                <a:solidFill>
+                  <a:schemeClr val="tx1">
+                    <a:lumMod val="75000"/>
+                    <a:lumOff val="25000"/>
+                  </a:schemeClr>
+                </a:solidFill>
+                <a:latin typeface="+mn-lt"/>
+                <a:ea typeface="+mn-ea"/>
+                <a:cs typeface="+mn-cs"/>
+              </a:defRPr>
+            </a:lvl7pPr>
+            <a:lvl8pPr marL="3429000" indent="-228600" algn="l" defTabSz="457200" rtl="0" eaLnBrk="1" latinLnBrk="0" hangingPunct="1">
+              <a:spcBef>
+                <a:spcPts val="1000"/>
+              </a:spcBef>
+              <a:spcAft>
+                <a:spcPts val="0"/>
+              </a:spcAft>
+              <a:buClr>
+                <a:schemeClr val="accent1"/>
+              </a:buClr>
+              <a:buFont typeface="Wingdings 3" charset="2"/>
+              <a:buChar char=""/>
+              <a:defRPr sz="1200" kern="1200">
+                <a:solidFill>
+                  <a:schemeClr val="tx1">
+                    <a:lumMod val="75000"/>
+                    <a:lumOff val="25000"/>
+                  </a:schemeClr>
+                </a:solidFill>
+                <a:latin typeface="+mn-lt"/>
+                <a:ea typeface="+mn-ea"/>
+                <a:cs typeface="+mn-cs"/>
+              </a:defRPr>
+            </a:lvl8pPr>
+            <a:lvl9pPr marL="3886200" indent="-228600" algn="l" defTabSz="457200" rtl="0" eaLnBrk="1" latinLnBrk="0" hangingPunct="1">
+              <a:spcBef>
+                <a:spcPts val="1000"/>
+              </a:spcBef>
+              <a:spcAft>
+                <a:spcPts val="0"/>
+              </a:spcAft>
+              <a:buClr>
+                <a:schemeClr val="accent1"/>
+              </a:buClr>
+              <a:buFont typeface="Wingdings 3" charset="2"/>
+              <a:buChar char=""/>
+              <a:defRPr sz="1200" kern="1200">
+                <a:solidFill>
+                  <a:schemeClr val="tx1">
+                    <a:lumMod val="75000"/>
+                    <a:lumOff val="25000"/>
+                  </a:schemeClr>
+                </a:solidFill>
+                <a:latin typeface="+mn-lt"/>
+                <a:ea typeface="+mn-ea"/>
+                <a:cs typeface="+mn-cs"/>
+              </a:defRPr>
+            </a:lvl9pPr>
+          </a:lstStyle>
+          <a:p>
             <a:r>
               <a:rPr lang="fr-FR" dirty="0">
                 <a:solidFill>
                   <a:schemeClr val="tx1"/>
                 </a:solidFill>
               </a:rPr>
-              <a:t>: </a:t>
+              <a:t>Si nous devions essayer d'exécuter le même programme précédent en utilisant une primitive de verrou classique, alors vous devriez remarquer que le programme n'atteint jamais le point où il exécute notre fonction </a:t>
+            </a:r>
+            <a:r>
+              <a:rPr lang="fr-FR" b="1" i="1" dirty="0" smtClean="0">
+                <a:solidFill>
+                  <a:schemeClr val="accent6"/>
+                </a:solidFill>
+              </a:rPr>
+              <a:t>modifyA()</a:t>
+            </a:r>
+          </a:p>
+          <a:p>
+            <a:r>
+              <a:rPr lang="fr-FR" dirty="0" smtClean="0">
+                <a:solidFill>
+                  <a:schemeClr val="tx1"/>
+                </a:solidFill>
+              </a:rPr>
+              <a:t>Notre </a:t>
             </a:r>
             <a:r>
               <a:rPr lang="fr-FR" dirty="0">
                 <a:solidFill>
                   <a:schemeClr val="tx1"/>
                 </a:solidFill>
-                <a:hlinkClick r:id="rId3"/>
-              </a:rPr>
-              <a:t>https://www.python.org</a:t>
-            </a:r>
-            <a:r>
-              <a:rPr lang="fr-FR" dirty="0" smtClean="0">
-                <a:solidFill>
-                  <a:schemeClr val="tx1"/>
-                </a:solidFill>
-                <a:hlinkClick r:id="rId3"/>
-              </a:rPr>
-              <a:t>/</a:t>
-            </a:r>
-            <a:endParaRPr lang="fr-FR" dirty="0" smtClean="0">
+              </a:rPr>
+              <a:t>programme se retrouverait essentiellement dans une impasse, car nous n'avons pas mis en place un mécanisme de libération qui permette à notre fil d'aller plus </a:t>
+            </a:r>
+            <a:r>
+              <a:rPr lang="fr-FR" dirty="0" smtClean="0">
+                <a:solidFill>
+                  <a:schemeClr val="tx1"/>
+                </a:solidFill>
+              </a:rPr>
+              <a:t>loin</a:t>
+            </a:r>
+          </a:p>
+          <a:p>
+            <a:r>
+              <a:rPr lang="fr-FR" dirty="0" smtClean="0">
+                <a:solidFill>
+                  <a:schemeClr val="tx1"/>
+                </a:solidFill>
+              </a:rPr>
+              <a:t>Ceci </a:t>
+            </a:r>
+            <a:r>
+              <a:rPr lang="fr-FR" dirty="0">
+                <a:solidFill>
+                  <a:schemeClr val="tx1"/>
+                </a:solidFill>
+              </a:rPr>
+              <a:t>est illustré dans l'exemple de code </a:t>
+            </a:r>
+            <a:r>
+              <a:rPr lang="fr-FR" dirty="0" smtClean="0">
+                <a:solidFill>
+                  <a:schemeClr val="tx1"/>
+                </a:solidFill>
+              </a:rPr>
+              <a:t>suivant</a:t>
+            </a:r>
+            <a:endParaRPr lang="en-US" dirty="0">
               <a:solidFill>
                 <a:schemeClr val="tx1"/>
               </a:solidFill>
             </a:endParaRPr>
           </a:p>
-          <a:p>
-            <a:pPr algn="just"/>
-            <a:r>
-              <a:rPr lang="fr-FR" dirty="0" smtClean="0">
-                <a:solidFill>
-                  <a:schemeClr val="tx1"/>
-                </a:solidFill>
-              </a:rPr>
-              <a:t>…</a:t>
-            </a:r>
-            <a:endParaRPr lang="fr-FR" dirty="0">
-              <a:solidFill>
-                <a:schemeClr val="tx1"/>
-              </a:solidFill>
-            </a:endParaRPr>
-          </a:p>
-        </p:txBody>
-      </p:sp>
+        </p:txBody>
+      </p:sp>
+      <p:pic>
+        <p:nvPicPr>
+          <p:cNvPr id="3" name="Image 2"/>
+          <p:cNvPicPr>
+            <a:picLocks noChangeAspect="1"/>
+          </p:cNvPicPr>
+          <p:nvPr/>
+        </p:nvPicPr>
+        <p:blipFill>
+          <a:blip r:embed="rId3"/>
+          <a:stretch>
+            <a:fillRect/>
+          </a:stretch>
+        </p:blipFill>
+        <p:spPr>
+          <a:xfrm>
+            <a:off x="7076660" y="1160654"/>
+            <a:ext cx="4738977" cy="5192438"/>
+          </a:xfrm>
+          <a:prstGeom prst="rect">
+            <a:avLst/>
+          </a:prstGeom>
+          <a:ln>
+            <a:noFill/>
+          </a:ln>
+          <a:effectLst>
+            <a:outerShdw blurRad="292100" dist="139700" dir="2700000" algn="tl" rotWithShape="0">
+              <a:srgbClr val="333333">
+                <a:alpha val="65000"/>
+              </a:srgbClr>
+            </a:outerShdw>
+          </a:effectLst>
+        </p:spPr>
+      </p:pic>
     </p:spTree>
     <p:extLst>
       <p:ext uri="{BB962C8B-B14F-4D97-AF65-F5344CB8AC3E}">
-        <p14:creationId xmlns:p14="http://schemas.microsoft.com/office/powerpoint/2010/main" val="3875151851"/>
+        <p14:creationId xmlns:p14="http://schemas.microsoft.com/office/powerpoint/2010/main" val="1463762456"/>
       </p:ext>
     </p:extLst>
   </p:cSld>
@@ -41246,79 +42211,1115 @@
         </p:nvSpPr>
         <p:spPr>
           <a:xfrm>
-            <a:off x="2592925" y="624110"/>
-            <a:ext cx="8911687" cy="1280890"/>
+            <a:off x="1979874" y="624110"/>
+            <a:ext cx="9907325" cy="664001"/>
           </a:xfrm>
         </p:spPr>
         <p:txBody>
-          <a:bodyPr/>
-          <a:lstStyle/>
-          <a:p>
-            <a:r>
-              <a:rPr lang="fr-FR" dirty="0" smtClean="0"/>
-              <a:t>Outils</a:t>
-            </a:r>
-            <a:endParaRPr lang="fr-FR" dirty="0"/>
-          </a:p>
-        </p:txBody>
-      </p:sp>
-      <p:sp>
-        <p:nvSpPr>
-          <p:cNvPr id="3" name="Espace réservé du contenu 2"/>
-          <p:cNvSpPr>
-            <a:spLocks noGrp="1"/>
-          </p:cNvSpPr>
-          <p:nvPr>
-            <p:ph idx="1"/>
-          </p:nvPr>
+          <a:bodyPr>
+            <a:normAutofit/>
+          </a:bodyPr>
+          <a:lstStyle/>
+          <a:p>
+            <a:r>
+              <a:rPr lang="fr-FR" dirty="0" smtClean="0">
+                <a:solidFill>
+                  <a:schemeClr val="tx1"/>
+                </a:solidFill>
+              </a:rPr>
+              <a:t>Rlocks vs Locks</a:t>
+            </a:r>
+            <a:endParaRPr lang="fr-FR" b="1" i="1" dirty="0">
+              <a:solidFill>
+                <a:schemeClr val="accent6"/>
+              </a:solidFill>
+            </a:endParaRPr>
+          </a:p>
+        </p:txBody>
+      </p:sp>
+      <p:sp>
+        <p:nvSpPr>
+          <p:cNvPr id="8" name="Espace réservé du contenu 2"/>
+          <p:cNvSpPr txBox="1">
+            <a:spLocks/>
+          </p:cNvSpPr>
+          <p:nvPr/>
         </p:nvSpPr>
         <p:spPr>
           <a:xfrm>
-            <a:off x="1661823" y="1542413"/>
-            <a:ext cx="9842789" cy="2965977"/>
+            <a:off x="1383527" y="1916264"/>
+            <a:ext cx="10129962" cy="4436828"/>
+          </a:xfrm>
+          <a:prstGeom prst="rect">
+            <a:avLst/>
+          </a:prstGeom>
+        </p:spPr>
+        <p:txBody>
+          <a:bodyPr vert="horz" lIns="91440" tIns="45720" rIns="91440" bIns="45720" rtlCol="0" anchor="ctr">
+            <a:normAutofit/>
+          </a:bodyPr>
+          <a:lstStyle>
+            <a:lvl1pPr marL="342900" indent="-342900" algn="l" defTabSz="457200" rtl="0" eaLnBrk="1" latinLnBrk="0" hangingPunct="1">
+              <a:spcBef>
+                <a:spcPts val="1000"/>
+              </a:spcBef>
+              <a:spcAft>
+                <a:spcPts val="0"/>
+              </a:spcAft>
+              <a:buClr>
+                <a:schemeClr val="accent1"/>
+              </a:buClr>
+              <a:buFont typeface="Wingdings 3" charset="2"/>
+              <a:buChar char=""/>
+              <a:defRPr sz="1800" kern="1200">
+                <a:solidFill>
+                  <a:schemeClr val="tx1">
+                    <a:lumMod val="75000"/>
+                    <a:lumOff val="25000"/>
+                  </a:schemeClr>
+                </a:solidFill>
+                <a:latin typeface="+mn-lt"/>
+                <a:ea typeface="+mn-ea"/>
+                <a:cs typeface="+mn-cs"/>
+              </a:defRPr>
+            </a:lvl1pPr>
+            <a:lvl2pPr marL="742950" indent="-285750" algn="l" defTabSz="457200" rtl="0" eaLnBrk="1" latinLnBrk="0" hangingPunct="1">
+              <a:spcBef>
+                <a:spcPts val="1000"/>
+              </a:spcBef>
+              <a:spcAft>
+                <a:spcPts val="0"/>
+              </a:spcAft>
+              <a:buClr>
+                <a:schemeClr val="accent1"/>
+              </a:buClr>
+              <a:buFont typeface="Wingdings 3" charset="2"/>
+              <a:buChar char=""/>
+              <a:defRPr sz="1600" kern="1200">
+                <a:solidFill>
+                  <a:schemeClr val="tx1">
+                    <a:lumMod val="75000"/>
+                    <a:lumOff val="25000"/>
+                  </a:schemeClr>
+                </a:solidFill>
+                <a:latin typeface="+mn-lt"/>
+                <a:ea typeface="+mn-ea"/>
+                <a:cs typeface="+mn-cs"/>
+              </a:defRPr>
+            </a:lvl2pPr>
+            <a:lvl3pPr marL="1143000" indent="-228600" algn="l" defTabSz="457200" rtl="0" eaLnBrk="1" latinLnBrk="0" hangingPunct="1">
+              <a:spcBef>
+                <a:spcPts val="1000"/>
+              </a:spcBef>
+              <a:spcAft>
+                <a:spcPts val="0"/>
+              </a:spcAft>
+              <a:buClr>
+                <a:schemeClr val="accent1"/>
+              </a:buClr>
+              <a:buFont typeface="Wingdings 3" charset="2"/>
+              <a:buChar char=""/>
+              <a:defRPr sz="1400" kern="1200">
+                <a:solidFill>
+                  <a:schemeClr val="tx1">
+                    <a:lumMod val="75000"/>
+                    <a:lumOff val="25000"/>
+                  </a:schemeClr>
+                </a:solidFill>
+                <a:latin typeface="+mn-lt"/>
+                <a:ea typeface="+mn-ea"/>
+                <a:cs typeface="+mn-cs"/>
+              </a:defRPr>
+            </a:lvl3pPr>
+            <a:lvl4pPr marL="1600200" indent="-228600" algn="l" defTabSz="457200" rtl="0" eaLnBrk="1" latinLnBrk="0" hangingPunct="1">
+              <a:spcBef>
+                <a:spcPts val="1000"/>
+              </a:spcBef>
+              <a:spcAft>
+                <a:spcPts val="0"/>
+              </a:spcAft>
+              <a:buClr>
+                <a:schemeClr val="accent1"/>
+              </a:buClr>
+              <a:buFont typeface="Wingdings 3" charset="2"/>
+              <a:buChar char=""/>
+              <a:defRPr sz="1200" kern="1200">
+                <a:solidFill>
+                  <a:schemeClr val="tx1">
+                    <a:lumMod val="75000"/>
+                    <a:lumOff val="25000"/>
+                  </a:schemeClr>
+                </a:solidFill>
+                <a:latin typeface="+mn-lt"/>
+                <a:ea typeface="+mn-ea"/>
+                <a:cs typeface="+mn-cs"/>
+              </a:defRPr>
+            </a:lvl4pPr>
+            <a:lvl5pPr marL="2057400" indent="-228600" algn="l" defTabSz="457200" rtl="0" eaLnBrk="1" latinLnBrk="0" hangingPunct="1">
+              <a:spcBef>
+                <a:spcPts val="1000"/>
+              </a:spcBef>
+              <a:spcAft>
+                <a:spcPts val="0"/>
+              </a:spcAft>
+              <a:buClr>
+                <a:schemeClr val="accent1"/>
+              </a:buClr>
+              <a:buFont typeface="Wingdings 3" charset="2"/>
+              <a:buChar char=""/>
+              <a:defRPr sz="1200" kern="1200">
+                <a:solidFill>
+                  <a:schemeClr val="tx1">
+                    <a:lumMod val="75000"/>
+                    <a:lumOff val="25000"/>
+                  </a:schemeClr>
+                </a:solidFill>
+                <a:latin typeface="+mn-lt"/>
+                <a:ea typeface="+mn-ea"/>
+                <a:cs typeface="+mn-cs"/>
+              </a:defRPr>
+            </a:lvl5pPr>
+            <a:lvl6pPr marL="2514600" indent="-228600" algn="l" defTabSz="457200" rtl="0" eaLnBrk="1" latinLnBrk="0" hangingPunct="1">
+              <a:spcBef>
+                <a:spcPts val="1000"/>
+              </a:spcBef>
+              <a:spcAft>
+                <a:spcPts val="0"/>
+              </a:spcAft>
+              <a:buClr>
+                <a:schemeClr val="accent1"/>
+              </a:buClr>
+              <a:buFont typeface="Wingdings 3" charset="2"/>
+              <a:buChar char=""/>
+              <a:defRPr sz="1200" kern="1200">
+                <a:solidFill>
+                  <a:schemeClr val="tx1">
+                    <a:lumMod val="75000"/>
+                    <a:lumOff val="25000"/>
+                  </a:schemeClr>
+                </a:solidFill>
+                <a:latin typeface="+mn-lt"/>
+                <a:ea typeface="+mn-ea"/>
+                <a:cs typeface="+mn-cs"/>
+              </a:defRPr>
+            </a:lvl6pPr>
+            <a:lvl7pPr marL="2971800" indent="-228600" algn="l" defTabSz="457200" rtl="0" eaLnBrk="1" latinLnBrk="0" hangingPunct="1">
+              <a:spcBef>
+                <a:spcPts val="1000"/>
+              </a:spcBef>
+              <a:spcAft>
+                <a:spcPts val="0"/>
+              </a:spcAft>
+              <a:buClr>
+                <a:schemeClr val="accent1"/>
+              </a:buClr>
+              <a:buFont typeface="Wingdings 3" charset="2"/>
+              <a:buChar char=""/>
+              <a:defRPr sz="1200" kern="1200">
+                <a:solidFill>
+                  <a:schemeClr val="tx1">
+                    <a:lumMod val="75000"/>
+                    <a:lumOff val="25000"/>
+                  </a:schemeClr>
+                </a:solidFill>
+                <a:latin typeface="+mn-lt"/>
+                <a:ea typeface="+mn-ea"/>
+                <a:cs typeface="+mn-cs"/>
+              </a:defRPr>
+            </a:lvl7pPr>
+            <a:lvl8pPr marL="3429000" indent="-228600" algn="l" defTabSz="457200" rtl="0" eaLnBrk="1" latinLnBrk="0" hangingPunct="1">
+              <a:spcBef>
+                <a:spcPts val="1000"/>
+              </a:spcBef>
+              <a:spcAft>
+                <a:spcPts val="0"/>
+              </a:spcAft>
+              <a:buClr>
+                <a:schemeClr val="accent1"/>
+              </a:buClr>
+              <a:buFont typeface="Wingdings 3" charset="2"/>
+              <a:buChar char=""/>
+              <a:defRPr sz="1200" kern="1200">
+                <a:solidFill>
+                  <a:schemeClr val="tx1">
+                    <a:lumMod val="75000"/>
+                    <a:lumOff val="25000"/>
+                  </a:schemeClr>
+                </a:solidFill>
+                <a:latin typeface="+mn-lt"/>
+                <a:ea typeface="+mn-ea"/>
+                <a:cs typeface="+mn-cs"/>
+              </a:defRPr>
+            </a:lvl8pPr>
+            <a:lvl9pPr marL="3886200" indent="-228600" algn="l" defTabSz="457200" rtl="0" eaLnBrk="1" latinLnBrk="0" hangingPunct="1">
+              <a:spcBef>
+                <a:spcPts val="1000"/>
+              </a:spcBef>
+              <a:spcAft>
+                <a:spcPts val="0"/>
+              </a:spcAft>
+              <a:buClr>
+                <a:schemeClr val="accent1"/>
+              </a:buClr>
+              <a:buFont typeface="Wingdings 3" charset="2"/>
+              <a:buChar char=""/>
+              <a:defRPr sz="1200" kern="1200">
+                <a:solidFill>
+                  <a:schemeClr val="tx1">
+                    <a:lumMod val="75000"/>
+                    <a:lumOff val="25000"/>
+                  </a:schemeClr>
+                </a:solidFill>
+                <a:latin typeface="+mn-lt"/>
+                <a:ea typeface="+mn-ea"/>
+                <a:cs typeface="+mn-cs"/>
+              </a:defRPr>
+            </a:lvl9pPr>
+          </a:lstStyle>
+          <a:p>
+            <a:r>
+              <a:rPr lang="fr-FR" dirty="0" smtClean="0">
+                <a:solidFill>
+                  <a:schemeClr val="tx1"/>
+                </a:solidFill>
+              </a:rPr>
+              <a:t>Les RLocks</a:t>
+            </a:r>
+            <a:r>
+              <a:rPr lang="fr-FR" dirty="0">
+                <a:solidFill>
+                  <a:schemeClr val="tx1"/>
+                </a:solidFill>
+              </a:rPr>
+              <a:t>, essentiellement, nous </a:t>
+            </a:r>
+            <a:r>
+              <a:rPr lang="fr-FR" dirty="0" smtClean="0">
+                <a:solidFill>
+                  <a:schemeClr val="tx1"/>
+                </a:solidFill>
+              </a:rPr>
+              <a:t>permettent </a:t>
+            </a:r>
+            <a:r>
+              <a:rPr lang="fr-FR" dirty="0">
+                <a:solidFill>
+                  <a:schemeClr val="tx1"/>
+                </a:solidFill>
+              </a:rPr>
+              <a:t>d'obtenir une certaine forme de sécurité de thread d'une manière récursive sans avoir à implémenter l'acquisition </a:t>
+            </a:r>
+            <a:r>
+              <a:rPr lang="fr-FR" dirty="0" smtClean="0">
+                <a:solidFill>
+                  <a:schemeClr val="tx1"/>
+                </a:solidFill>
+              </a:rPr>
+              <a:t>et la libération </a:t>
+            </a:r>
+            <a:r>
+              <a:rPr lang="fr-FR" dirty="0">
+                <a:solidFill>
+                  <a:schemeClr val="tx1"/>
+                </a:solidFill>
+              </a:rPr>
+              <a:t>de </a:t>
+            </a:r>
+            <a:r>
+              <a:rPr lang="fr-FR" dirty="0" smtClean="0">
+                <a:solidFill>
+                  <a:schemeClr val="tx1"/>
+                </a:solidFill>
+              </a:rPr>
+              <a:t>verrou </a:t>
+            </a:r>
+            <a:r>
+              <a:rPr lang="fr-FR" dirty="0">
+                <a:solidFill>
+                  <a:schemeClr val="tx1"/>
+                </a:solidFill>
+              </a:rPr>
+              <a:t>dans tout votre </a:t>
+            </a:r>
+            <a:r>
+              <a:rPr lang="fr-FR" dirty="0" smtClean="0">
+                <a:solidFill>
+                  <a:schemeClr val="tx1"/>
+                </a:solidFill>
+              </a:rPr>
+              <a:t>code</a:t>
+            </a:r>
+          </a:p>
+          <a:p>
+            <a:r>
+              <a:rPr lang="fr-FR" dirty="0" smtClean="0">
+                <a:solidFill>
+                  <a:schemeClr val="tx1"/>
+                </a:solidFill>
+              </a:rPr>
+              <a:t>Ils </a:t>
+            </a:r>
+            <a:r>
+              <a:rPr lang="fr-FR" dirty="0">
+                <a:solidFill>
+                  <a:schemeClr val="tx1"/>
+                </a:solidFill>
+              </a:rPr>
+              <a:t>nous permettent d'écrire du code plus simple, plus facile à suivre et, par conséquent, plus facile à maintenir après la production de notre </a:t>
+            </a:r>
+            <a:r>
+              <a:rPr lang="fr-FR" dirty="0" smtClean="0">
+                <a:solidFill>
+                  <a:schemeClr val="tx1"/>
+                </a:solidFill>
+              </a:rPr>
+              <a:t>code</a:t>
+            </a:r>
+            <a:endParaRPr lang="en-US" dirty="0">
+              <a:solidFill>
+                <a:schemeClr val="tx1"/>
+              </a:solidFill>
+            </a:endParaRPr>
+          </a:p>
+        </p:txBody>
+      </p:sp>
+    </p:spTree>
+    <p:extLst>
+      <p:ext uri="{BB962C8B-B14F-4D97-AF65-F5344CB8AC3E}">
+        <p14:creationId xmlns:p14="http://schemas.microsoft.com/office/powerpoint/2010/main" val="3463253610"/>
+      </p:ext>
+    </p:extLst>
+  </p:cSld>
+  <p:clrMapOvr>
+    <a:masterClrMapping/>
+  </p:clrMapOvr>
+  <p:timing>
+    <p:tnLst>
+      <p:par>
+        <p:cTn id="1" dur="indefinite" restart="never" nodeType="tmRoot"/>
+      </p:par>
+    </p:tnLst>
+  </p:timing>
+</p:sld>
+</file>
+
+<file path=ppt/slides/slide154.xml><?xml version="1.0" encoding="utf-8"?>
+<p:sld xmlns:a="http://schemas.openxmlformats.org/drawingml/2006/main" xmlns:r="http://schemas.openxmlformats.org/officeDocument/2006/relationships" xmlns:p="http://schemas.openxmlformats.org/presentationml/2006/main">
+  <p:cSld>
+    <p:spTree>
+      <p:nvGrpSpPr>
+        <p:cNvPr id="1" name=""/>
+        <p:cNvGrpSpPr/>
+        <p:nvPr/>
+      </p:nvGrpSpPr>
+      <p:grpSpPr>
+        <a:xfrm>
+          <a:off x="0" y="0"/>
+          <a:ext cx="0" cy="0"/>
+          <a:chOff x="0" y="0"/>
+          <a:chExt cx="0" cy="0"/>
+        </a:xfrm>
+      </p:grpSpPr>
+      <p:sp>
+        <p:nvSpPr>
+          <p:cNvPr id="2" name="Titre 1"/>
+          <p:cNvSpPr>
+            <a:spLocks noGrp="1"/>
+          </p:cNvSpPr>
+          <p:nvPr>
+            <p:ph type="title"/>
+          </p:nvPr>
+        </p:nvSpPr>
+        <p:spPr>
+          <a:xfrm>
+            <a:off x="1979874" y="624110"/>
+            <a:ext cx="9907325" cy="664001"/>
           </a:xfrm>
         </p:spPr>
         <p:txBody>
-          <a:bodyPr anchor="ctr" anchorCtr="0">
+          <a:bodyPr>
             <a:normAutofit/>
           </a:bodyPr>
           <a:lstStyle/>
           <a:p>
-            <a:pPr algn="just"/>
-            <a:r>
-              <a:rPr lang="fr-FR" dirty="0" smtClean="0">
-                <a:solidFill>
-                  <a:schemeClr val="tx1"/>
-                </a:solidFill>
-              </a:rPr>
-              <a:t>IDE Pycharm Community</a:t>
-            </a:r>
+            <a:r>
+              <a:rPr lang="fr-FR" dirty="0" smtClean="0">
+                <a:solidFill>
+                  <a:schemeClr val="tx1"/>
+                </a:solidFill>
+              </a:rPr>
+              <a:t>Conditions</a:t>
+            </a:r>
+            <a:endParaRPr lang="fr-FR" b="1" i="1" dirty="0">
+              <a:solidFill>
+                <a:schemeClr val="accent6"/>
+              </a:solidFill>
+            </a:endParaRPr>
+          </a:p>
+        </p:txBody>
+      </p:sp>
+      <p:sp>
+        <p:nvSpPr>
+          <p:cNvPr id="8" name="Espace réservé du contenu 2"/>
+          <p:cNvSpPr txBox="1">
+            <a:spLocks/>
+          </p:cNvSpPr>
+          <p:nvPr/>
+        </p:nvSpPr>
+        <p:spPr>
+          <a:xfrm>
+            <a:off x="1383527" y="1916264"/>
+            <a:ext cx="10129962" cy="4436828"/>
+          </a:xfrm>
+          <a:prstGeom prst="rect">
+            <a:avLst/>
+          </a:prstGeom>
+        </p:spPr>
+        <p:txBody>
+          <a:bodyPr vert="horz" lIns="91440" tIns="45720" rIns="91440" bIns="45720" rtlCol="0" anchor="ctr">
+            <a:normAutofit/>
+          </a:bodyPr>
+          <a:lstStyle>
+            <a:lvl1pPr marL="342900" indent="-342900" algn="l" defTabSz="457200" rtl="0" eaLnBrk="1" latinLnBrk="0" hangingPunct="1">
+              <a:spcBef>
+                <a:spcPts val="1000"/>
+              </a:spcBef>
+              <a:spcAft>
+                <a:spcPts val="0"/>
+              </a:spcAft>
+              <a:buClr>
+                <a:schemeClr val="accent1"/>
+              </a:buClr>
+              <a:buFont typeface="Wingdings 3" charset="2"/>
+              <a:buChar char=""/>
+              <a:defRPr sz="1800" kern="1200">
+                <a:solidFill>
+                  <a:schemeClr val="tx1">
+                    <a:lumMod val="75000"/>
+                    <a:lumOff val="25000"/>
+                  </a:schemeClr>
+                </a:solidFill>
+                <a:latin typeface="+mn-lt"/>
+                <a:ea typeface="+mn-ea"/>
+                <a:cs typeface="+mn-cs"/>
+              </a:defRPr>
+            </a:lvl1pPr>
+            <a:lvl2pPr marL="742950" indent="-285750" algn="l" defTabSz="457200" rtl="0" eaLnBrk="1" latinLnBrk="0" hangingPunct="1">
+              <a:spcBef>
+                <a:spcPts val="1000"/>
+              </a:spcBef>
+              <a:spcAft>
+                <a:spcPts val="0"/>
+              </a:spcAft>
+              <a:buClr>
+                <a:schemeClr val="accent1"/>
+              </a:buClr>
+              <a:buFont typeface="Wingdings 3" charset="2"/>
+              <a:buChar char=""/>
+              <a:defRPr sz="1600" kern="1200">
+                <a:solidFill>
+                  <a:schemeClr val="tx1">
+                    <a:lumMod val="75000"/>
+                    <a:lumOff val="25000"/>
+                  </a:schemeClr>
+                </a:solidFill>
+                <a:latin typeface="+mn-lt"/>
+                <a:ea typeface="+mn-ea"/>
+                <a:cs typeface="+mn-cs"/>
+              </a:defRPr>
+            </a:lvl2pPr>
+            <a:lvl3pPr marL="1143000" indent="-228600" algn="l" defTabSz="457200" rtl="0" eaLnBrk="1" latinLnBrk="0" hangingPunct="1">
+              <a:spcBef>
+                <a:spcPts val="1000"/>
+              </a:spcBef>
+              <a:spcAft>
+                <a:spcPts val="0"/>
+              </a:spcAft>
+              <a:buClr>
+                <a:schemeClr val="accent1"/>
+              </a:buClr>
+              <a:buFont typeface="Wingdings 3" charset="2"/>
+              <a:buChar char=""/>
+              <a:defRPr sz="1400" kern="1200">
+                <a:solidFill>
+                  <a:schemeClr val="tx1">
+                    <a:lumMod val="75000"/>
+                    <a:lumOff val="25000"/>
+                  </a:schemeClr>
+                </a:solidFill>
+                <a:latin typeface="+mn-lt"/>
+                <a:ea typeface="+mn-ea"/>
+                <a:cs typeface="+mn-cs"/>
+              </a:defRPr>
+            </a:lvl3pPr>
+            <a:lvl4pPr marL="1600200" indent="-228600" algn="l" defTabSz="457200" rtl="0" eaLnBrk="1" latinLnBrk="0" hangingPunct="1">
+              <a:spcBef>
+                <a:spcPts val="1000"/>
+              </a:spcBef>
+              <a:spcAft>
+                <a:spcPts val="0"/>
+              </a:spcAft>
+              <a:buClr>
+                <a:schemeClr val="accent1"/>
+              </a:buClr>
+              <a:buFont typeface="Wingdings 3" charset="2"/>
+              <a:buChar char=""/>
+              <a:defRPr sz="1200" kern="1200">
+                <a:solidFill>
+                  <a:schemeClr val="tx1">
+                    <a:lumMod val="75000"/>
+                    <a:lumOff val="25000"/>
+                  </a:schemeClr>
+                </a:solidFill>
+                <a:latin typeface="+mn-lt"/>
+                <a:ea typeface="+mn-ea"/>
+                <a:cs typeface="+mn-cs"/>
+              </a:defRPr>
+            </a:lvl4pPr>
+            <a:lvl5pPr marL="2057400" indent="-228600" algn="l" defTabSz="457200" rtl="0" eaLnBrk="1" latinLnBrk="0" hangingPunct="1">
+              <a:spcBef>
+                <a:spcPts val="1000"/>
+              </a:spcBef>
+              <a:spcAft>
+                <a:spcPts val="0"/>
+              </a:spcAft>
+              <a:buClr>
+                <a:schemeClr val="accent1"/>
+              </a:buClr>
+              <a:buFont typeface="Wingdings 3" charset="2"/>
+              <a:buChar char=""/>
+              <a:defRPr sz="1200" kern="1200">
+                <a:solidFill>
+                  <a:schemeClr val="tx1">
+                    <a:lumMod val="75000"/>
+                    <a:lumOff val="25000"/>
+                  </a:schemeClr>
+                </a:solidFill>
+                <a:latin typeface="+mn-lt"/>
+                <a:ea typeface="+mn-ea"/>
+                <a:cs typeface="+mn-cs"/>
+              </a:defRPr>
+            </a:lvl5pPr>
+            <a:lvl6pPr marL="2514600" indent="-228600" algn="l" defTabSz="457200" rtl="0" eaLnBrk="1" latinLnBrk="0" hangingPunct="1">
+              <a:spcBef>
+                <a:spcPts val="1000"/>
+              </a:spcBef>
+              <a:spcAft>
+                <a:spcPts val="0"/>
+              </a:spcAft>
+              <a:buClr>
+                <a:schemeClr val="accent1"/>
+              </a:buClr>
+              <a:buFont typeface="Wingdings 3" charset="2"/>
+              <a:buChar char=""/>
+              <a:defRPr sz="1200" kern="1200">
+                <a:solidFill>
+                  <a:schemeClr val="tx1">
+                    <a:lumMod val="75000"/>
+                    <a:lumOff val="25000"/>
+                  </a:schemeClr>
+                </a:solidFill>
+                <a:latin typeface="+mn-lt"/>
+                <a:ea typeface="+mn-ea"/>
+                <a:cs typeface="+mn-cs"/>
+              </a:defRPr>
+            </a:lvl6pPr>
+            <a:lvl7pPr marL="2971800" indent="-228600" algn="l" defTabSz="457200" rtl="0" eaLnBrk="1" latinLnBrk="0" hangingPunct="1">
+              <a:spcBef>
+                <a:spcPts val="1000"/>
+              </a:spcBef>
+              <a:spcAft>
+                <a:spcPts val="0"/>
+              </a:spcAft>
+              <a:buClr>
+                <a:schemeClr val="accent1"/>
+              </a:buClr>
+              <a:buFont typeface="Wingdings 3" charset="2"/>
+              <a:buChar char=""/>
+              <a:defRPr sz="1200" kern="1200">
+                <a:solidFill>
+                  <a:schemeClr val="tx1">
+                    <a:lumMod val="75000"/>
+                    <a:lumOff val="25000"/>
+                  </a:schemeClr>
+                </a:solidFill>
+                <a:latin typeface="+mn-lt"/>
+                <a:ea typeface="+mn-ea"/>
+                <a:cs typeface="+mn-cs"/>
+              </a:defRPr>
+            </a:lvl7pPr>
+            <a:lvl8pPr marL="3429000" indent="-228600" algn="l" defTabSz="457200" rtl="0" eaLnBrk="1" latinLnBrk="0" hangingPunct="1">
+              <a:spcBef>
+                <a:spcPts val="1000"/>
+              </a:spcBef>
+              <a:spcAft>
+                <a:spcPts val="0"/>
+              </a:spcAft>
+              <a:buClr>
+                <a:schemeClr val="accent1"/>
+              </a:buClr>
+              <a:buFont typeface="Wingdings 3" charset="2"/>
+              <a:buChar char=""/>
+              <a:defRPr sz="1200" kern="1200">
+                <a:solidFill>
+                  <a:schemeClr val="tx1">
+                    <a:lumMod val="75000"/>
+                    <a:lumOff val="25000"/>
+                  </a:schemeClr>
+                </a:solidFill>
+                <a:latin typeface="+mn-lt"/>
+                <a:ea typeface="+mn-ea"/>
+                <a:cs typeface="+mn-cs"/>
+              </a:defRPr>
+            </a:lvl8pPr>
+            <a:lvl9pPr marL="3886200" indent="-228600" algn="l" defTabSz="457200" rtl="0" eaLnBrk="1" latinLnBrk="0" hangingPunct="1">
+              <a:spcBef>
+                <a:spcPts val="1000"/>
+              </a:spcBef>
+              <a:spcAft>
+                <a:spcPts val="0"/>
+              </a:spcAft>
+              <a:buClr>
+                <a:schemeClr val="accent1"/>
+              </a:buClr>
+              <a:buFont typeface="Wingdings 3" charset="2"/>
+              <a:buChar char=""/>
+              <a:defRPr sz="1200" kern="1200">
+                <a:solidFill>
+                  <a:schemeClr val="tx1">
+                    <a:lumMod val="75000"/>
+                    <a:lumOff val="25000"/>
+                  </a:schemeClr>
+                </a:solidFill>
+                <a:latin typeface="+mn-lt"/>
+                <a:ea typeface="+mn-ea"/>
+                <a:cs typeface="+mn-cs"/>
+              </a:defRPr>
+            </a:lvl9pPr>
+          </a:lstStyle>
+          <a:p>
             <a:r>
               <a:rPr lang="fr-FR" dirty="0">
                 <a:solidFill>
                   <a:schemeClr val="tx1"/>
                 </a:solidFill>
               </a:rPr>
-              <a:t> : </a:t>
+              <a:t>Une condition est une primitive de synchronisation qui attend un signal provenant d'un autre </a:t>
+            </a:r>
+            <a:r>
+              <a:rPr lang="fr-FR" dirty="0" smtClean="0">
+                <a:solidFill>
+                  <a:schemeClr val="tx1"/>
+                </a:solidFill>
+              </a:rPr>
+              <a:t>thread</a:t>
+            </a:r>
+          </a:p>
+          <a:p>
+            <a:r>
+              <a:rPr lang="fr-FR" dirty="0" smtClean="0">
+                <a:solidFill>
+                  <a:schemeClr val="tx1"/>
+                </a:solidFill>
+              </a:rPr>
+              <a:t>Par </a:t>
             </a:r>
             <a:r>
               <a:rPr lang="fr-FR" dirty="0">
                 <a:solidFill>
                   <a:schemeClr val="tx1"/>
                 </a:solidFill>
-                <a:hlinkClick r:id="rId3"/>
-              </a:rPr>
-              <a:t>https://www.jetbrains.com/pycharm</a:t>
-            </a:r>
-            <a:r>
-              <a:rPr lang="fr-FR" dirty="0" smtClean="0">
-                <a:solidFill>
-                  <a:schemeClr val="tx1"/>
-                </a:solidFill>
-                <a:hlinkClick r:id="rId3"/>
-              </a:rPr>
-              <a:t>/</a:t>
-            </a:r>
+              </a:rPr>
+              <a:t>exemple, cela pourrait être qu'un autre thread a terminé </a:t>
+            </a:r>
+            <a:r>
+              <a:rPr lang="fr-FR" dirty="0" smtClean="0">
+                <a:solidFill>
+                  <a:schemeClr val="tx1"/>
+                </a:solidFill>
+              </a:rPr>
+              <a:t>son exécution</a:t>
+            </a:r>
+            <a:r>
+              <a:rPr lang="fr-FR" dirty="0">
+                <a:solidFill>
+                  <a:schemeClr val="tx1"/>
+                </a:solidFill>
+              </a:rPr>
+              <a:t>, et que le thread actuel peut </a:t>
+            </a:r>
+            <a:r>
+              <a:rPr lang="fr-FR" dirty="0" smtClean="0">
+                <a:solidFill>
+                  <a:schemeClr val="tx1"/>
+                </a:solidFill>
+              </a:rPr>
+              <a:t>son propre code</a:t>
+            </a:r>
+            <a:endParaRPr lang="en-US" dirty="0">
+              <a:solidFill>
+                <a:schemeClr val="tx1"/>
+              </a:solidFill>
+            </a:endParaRPr>
+          </a:p>
+        </p:txBody>
+      </p:sp>
+    </p:spTree>
+    <p:extLst>
+      <p:ext uri="{BB962C8B-B14F-4D97-AF65-F5344CB8AC3E}">
+        <p14:creationId xmlns:p14="http://schemas.microsoft.com/office/powerpoint/2010/main" val="2208249825"/>
+      </p:ext>
+    </p:extLst>
+  </p:cSld>
+  <p:clrMapOvr>
+    <a:masterClrMapping/>
+  </p:clrMapOvr>
+  <p:timing>
+    <p:tnLst>
+      <p:par>
+        <p:cTn id="1" dur="indefinite" restart="never" nodeType="tmRoot"/>
+      </p:par>
+    </p:tnLst>
+  </p:timing>
+</p:sld>
+</file>
+
+<file path=ppt/slides/slide155.xml><?xml version="1.0" encoding="utf-8"?>
+<p:sld xmlns:a="http://schemas.openxmlformats.org/drawingml/2006/main" xmlns:r="http://schemas.openxmlformats.org/officeDocument/2006/relationships" xmlns:p="http://schemas.openxmlformats.org/presentationml/2006/main">
+  <p:cSld>
+    <p:spTree>
+      <p:nvGrpSpPr>
+        <p:cNvPr id="1" name=""/>
+        <p:cNvGrpSpPr/>
+        <p:nvPr/>
+      </p:nvGrpSpPr>
+      <p:grpSpPr>
+        <a:xfrm>
+          <a:off x="0" y="0"/>
+          <a:ext cx="0" cy="0"/>
+          <a:chOff x="0" y="0"/>
+          <a:chExt cx="0" cy="0"/>
+        </a:xfrm>
+      </p:grpSpPr>
+      <p:sp>
+        <p:nvSpPr>
+          <p:cNvPr id="2" name="Titre 1"/>
+          <p:cNvSpPr>
+            <a:spLocks noGrp="1"/>
+          </p:cNvSpPr>
+          <p:nvPr>
+            <p:ph type="title"/>
+          </p:nvPr>
+        </p:nvSpPr>
+        <p:spPr>
+          <a:xfrm>
+            <a:off x="1979874" y="624110"/>
+            <a:ext cx="9907325" cy="664001"/>
+          </a:xfrm>
+        </p:spPr>
+        <p:txBody>
+          <a:bodyPr>
+            <a:normAutofit/>
+          </a:bodyPr>
+          <a:lstStyle/>
+          <a:p>
+            <a:r>
+              <a:rPr lang="fr-FR" dirty="0" smtClean="0">
+                <a:solidFill>
+                  <a:schemeClr val="tx1"/>
+                </a:solidFill>
+              </a:rPr>
+              <a:t>Conditions</a:t>
+            </a:r>
+            <a:endParaRPr lang="fr-FR" b="1" i="1" dirty="0">
+              <a:solidFill>
+                <a:schemeClr val="accent6"/>
+              </a:solidFill>
+            </a:endParaRPr>
+          </a:p>
+        </p:txBody>
+      </p:sp>
+      <p:sp>
+        <p:nvSpPr>
+          <p:cNvPr id="8" name="Espace réservé du contenu 2"/>
+          <p:cNvSpPr txBox="1">
+            <a:spLocks/>
+          </p:cNvSpPr>
+          <p:nvPr/>
+        </p:nvSpPr>
+        <p:spPr>
+          <a:xfrm>
+            <a:off x="1383527" y="1916264"/>
+            <a:ext cx="10129962" cy="4436828"/>
+          </a:xfrm>
+          <a:prstGeom prst="rect">
+            <a:avLst/>
+          </a:prstGeom>
+        </p:spPr>
+        <p:txBody>
+          <a:bodyPr vert="horz" lIns="91440" tIns="45720" rIns="91440" bIns="45720" rtlCol="0" anchor="ctr">
+            <a:normAutofit/>
+          </a:bodyPr>
+          <a:lstStyle>
+            <a:lvl1pPr marL="342900" indent="-342900" algn="l" defTabSz="457200" rtl="0" eaLnBrk="1" latinLnBrk="0" hangingPunct="1">
+              <a:spcBef>
+                <a:spcPts val="1000"/>
+              </a:spcBef>
+              <a:spcAft>
+                <a:spcPts val="0"/>
+              </a:spcAft>
+              <a:buClr>
+                <a:schemeClr val="accent1"/>
+              </a:buClr>
+              <a:buFont typeface="Wingdings 3" charset="2"/>
+              <a:buChar char=""/>
+              <a:defRPr sz="1800" kern="1200">
+                <a:solidFill>
+                  <a:schemeClr val="tx1">
+                    <a:lumMod val="75000"/>
+                    <a:lumOff val="25000"/>
+                  </a:schemeClr>
+                </a:solidFill>
+                <a:latin typeface="+mn-lt"/>
+                <a:ea typeface="+mn-ea"/>
+                <a:cs typeface="+mn-cs"/>
+              </a:defRPr>
+            </a:lvl1pPr>
+            <a:lvl2pPr marL="742950" indent="-285750" algn="l" defTabSz="457200" rtl="0" eaLnBrk="1" latinLnBrk="0" hangingPunct="1">
+              <a:spcBef>
+                <a:spcPts val="1000"/>
+              </a:spcBef>
+              <a:spcAft>
+                <a:spcPts val="0"/>
+              </a:spcAft>
+              <a:buClr>
+                <a:schemeClr val="accent1"/>
+              </a:buClr>
+              <a:buFont typeface="Wingdings 3" charset="2"/>
+              <a:buChar char=""/>
+              <a:defRPr sz="1600" kern="1200">
+                <a:solidFill>
+                  <a:schemeClr val="tx1">
+                    <a:lumMod val="75000"/>
+                    <a:lumOff val="25000"/>
+                  </a:schemeClr>
+                </a:solidFill>
+                <a:latin typeface="+mn-lt"/>
+                <a:ea typeface="+mn-ea"/>
+                <a:cs typeface="+mn-cs"/>
+              </a:defRPr>
+            </a:lvl2pPr>
+            <a:lvl3pPr marL="1143000" indent="-228600" algn="l" defTabSz="457200" rtl="0" eaLnBrk="1" latinLnBrk="0" hangingPunct="1">
+              <a:spcBef>
+                <a:spcPts val="1000"/>
+              </a:spcBef>
+              <a:spcAft>
+                <a:spcPts val="0"/>
+              </a:spcAft>
+              <a:buClr>
+                <a:schemeClr val="accent1"/>
+              </a:buClr>
+              <a:buFont typeface="Wingdings 3" charset="2"/>
+              <a:buChar char=""/>
+              <a:defRPr sz="1400" kern="1200">
+                <a:solidFill>
+                  <a:schemeClr val="tx1">
+                    <a:lumMod val="75000"/>
+                    <a:lumOff val="25000"/>
+                  </a:schemeClr>
+                </a:solidFill>
+                <a:latin typeface="+mn-lt"/>
+                <a:ea typeface="+mn-ea"/>
+                <a:cs typeface="+mn-cs"/>
+              </a:defRPr>
+            </a:lvl3pPr>
+            <a:lvl4pPr marL="1600200" indent="-228600" algn="l" defTabSz="457200" rtl="0" eaLnBrk="1" latinLnBrk="0" hangingPunct="1">
+              <a:spcBef>
+                <a:spcPts val="1000"/>
+              </a:spcBef>
+              <a:spcAft>
+                <a:spcPts val="0"/>
+              </a:spcAft>
+              <a:buClr>
+                <a:schemeClr val="accent1"/>
+              </a:buClr>
+              <a:buFont typeface="Wingdings 3" charset="2"/>
+              <a:buChar char=""/>
+              <a:defRPr sz="1200" kern="1200">
+                <a:solidFill>
+                  <a:schemeClr val="tx1">
+                    <a:lumMod val="75000"/>
+                    <a:lumOff val="25000"/>
+                  </a:schemeClr>
+                </a:solidFill>
+                <a:latin typeface="+mn-lt"/>
+                <a:ea typeface="+mn-ea"/>
+                <a:cs typeface="+mn-cs"/>
+              </a:defRPr>
+            </a:lvl4pPr>
+            <a:lvl5pPr marL="2057400" indent="-228600" algn="l" defTabSz="457200" rtl="0" eaLnBrk="1" latinLnBrk="0" hangingPunct="1">
+              <a:spcBef>
+                <a:spcPts val="1000"/>
+              </a:spcBef>
+              <a:spcAft>
+                <a:spcPts val="0"/>
+              </a:spcAft>
+              <a:buClr>
+                <a:schemeClr val="accent1"/>
+              </a:buClr>
+              <a:buFont typeface="Wingdings 3" charset="2"/>
+              <a:buChar char=""/>
+              <a:defRPr sz="1200" kern="1200">
+                <a:solidFill>
+                  <a:schemeClr val="tx1">
+                    <a:lumMod val="75000"/>
+                    <a:lumOff val="25000"/>
+                  </a:schemeClr>
+                </a:solidFill>
+                <a:latin typeface="+mn-lt"/>
+                <a:ea typeface="+mn-ea"/>
+                <a:cs typeface="+mn-cs"/>
+              </a:defRPr>
+            </a:lvl5pPr>
+            <a:lvl6pPr marL="2514600" indent="-228600" algn="l" defTabSz="457200" rtl="0" eaLnBrk="1" latinLnBrk="0" hangingPunct="1">
+              <a:spcBef>
+                <a:spcPts val="1000"/>
+              </a:spcBef>
+              <a:spcAft>
+                <a:spcPts val="0"/>
+              </a:spcAft>
+              <a:buClr>
+                <a:schemeClr val="accent1"/>
+              </a:buClr>
+              <a:buFont typeface="Wingdings 3" charset="2"/>
+              <a:buChar char=""/>
+              <a:defRPr sz="1200" kern="1200">
+                <a:solidFill>
+                  <a:schemeClr val="tx1">
+                    <a:lumMod val="75000"/>
+                    <a:lumOff val="25000"/>
+                  </a:schemeClr>
+                </a:solidFill>
+                <a:latin typeface="+mn-lt"/>
+                <a:ea typeface="+mn-ea"/>
+                <a:cs typeface="+mn-cs"/>
+              </a:defRPr>
+            </a:lvl6pPr>
+            <a:lvl7pPr marL="2971800" indent="-228600" algn="l" defTabSz="457200" rtl="0" eaLnBrk="1" latinLnBrk="0" hangingPunct="1">
+              <a:spcBef>
+                <a:spcPts val="1000"/>
+              </a:spcBef>
+              <a:spcAft>
+                <a:spcPts val="0"/>
+              </a:spcAft>
+              <a:buClr>
+                <a:schemeClr val="accent1"/>
+              </a:buClr>
+              <a:buFont typeface="Wingdings 3" charset="2"/>
+              <a:buChar char=""/>
+              <a:defRPr sz="1200" kern="1200">
+                <a:solidFill>
+                  <a:schemeClr val="tx1">
+                    <a:lumMod val="75000"/>
+                    <a:lumOff val="25000"/>
+                  </a:schemeClr>
+                </a:solidFill>
+                <a:latin typeface="+mn-lt"/>
+                <a:ea typeface="+mn-ea"/>
+                <a:cs typeface="+mn-cs"/>
+              </a:defRPr>
+            </a:lvl7pPr>
+            <a:lvl8pPr marL="3429000" indent="-228600" algn="l" defTabSz="457200" rtl="0" eaLnBrk="1" latinLnBrk="0" hangingPunct="1">
+              <a:spcBef>
+                <a:spcPts val="1000"/>
+              </a:spcBef>
+              <a:spcAft>
+                <a:spcPts val="0"/>
+              </a:spcAft>
+              <a:buClr>
+                <a:schemeClr val="accent1"/>
+              </a:buClr>
+              <a:buFont typeface="Wingdings 3" charset="2"/>
+              <a:buChar char=""/>
+              <a:defRPr sz="1200" kern="1200">
+                <a:solidFill>
+                  <a:schemeClr val="tx1">
+                    <a:lumMod val="75000"/>
+                    <a:lumOff val="25000"/>
+                  </a:schemeClr>
+                </a:solidFill>
+                <a:latin typeface="+mn-lt"/>
+                <a:ea typeface="+mn-ea"/>
+                <a:cs typeface="+mn-cs"/>
+              </a:defRPr>
+            </a:lvl8pPr>
+            <a:lvl9pPr marL="3886200" indent="-228600" algn="l" defTabSz="457200" rtl="0" eaLnBrk="1" latinLnBrk="0" hangingPunct="1">
+              <a:spcBef>
+                <a:spcPts val="1000"/>
+              </a:spcBef>
+              <a:spcAft>
+                <a:spcPts val="0"/>
+              </a:spcAft>
+              <a:buClr>
+                <a:schemeClr val="accent1"/>
+              </a:buClr>
+              <a:buFont typeface="Wingdings 3" charset="2"/>
+              <a:buChar char=""/>
+              <a:defRPr sz="1200" kern="1200">
+                <a:solidFill>
+                  <a:schemeClr val="tx1">
+                    <a:lumMod val="75000"/>
+                    <a:lumOff val="25000"/>
+                  </a:schemeClr>
+                </a:solidFill>
+                <a:latin typeface="+mn-lt"/>
+                <a:ea typeface="+mn-ea"/>
+                <a:cs typeface="+mn-cs"/>
+              </a:defRPr>
+            </a:lvl9pPr>
+          </a:lstStyle>
+          <a:p>
+            <a:r>
+              <a:rPr lang="fr-FR" dirty="0">
+                <a:solidFill>
+                  <a:schemeClr val="tx1"/>
+                </a:solidFill>
+              </a:rPr>
+              <a:t>Jetons un coup d'</a:t>
+            </a:r>
+            <a:r>
+              <a:rPr lang="fr-FR" dirty="0" err="1">
+                <a:solidFill>
+                  <a:schemeClr val="tx1"/>
+                </a:solidFill>
+              </a:rPr>
+              <a:t>oeil</a:t>
+            </a:r>
+            <a:r>
+              <a:rPr lang="fr-FR" dirty="0">
+                <a:solidFill>
+                  <a:schemeClr val="tx1"/>
+                </a:solidFill>
+              </a:rPr>
+              <a:t> à la définition de notre objet condition dans la bibliothèque native de </a:t>
+            </a:r>
+            <a:r>
+              <a:rPr lang="fr-FR" dirty="0" smtClean="0">
+                <a:solidFill>
+                  <a:schemeClr val="tx1"/>
+                </a:solidFill>
+              </a:rPr>
+              <a:t>Python</a:t>
+            </a:r>
+          </a:p>
+          <a:p>
+            <a:endParaRPr lang="fr-FR" dirty="0">
+              <a:solidFill>
+                <a:schemeClr val="tx1"/>
+              </a:solidFill>
+            </a:endParaRPr>
+          </a:p>
+          <a:p>
             <a:endParaRPr lang="fr-FR" dirty="0" smtClean="0">
               <a:solidFill>
                 <a:schemeClr val="tx1"/>
@@ -41326,41 +43327,6 @@
             </a:endParaRPr>
           </a:p>
           <a:p>
-            <a:pPr algn="just"/>
-            <a:r>
-              <a:rPr lang="fr-FR" dirty="0" smtClean="0">
-                <a:solidFill>
-                  <a:schemeClr val="tx1"/>
-                </a:solidFill>
-              </a:rPr>
-              <a:t>Analyse en ligne de code Python </a:t>
-            </a:r>
-            <a:r>
-              <a:rPr lang="fr-FR" dirty="0">
-                <a:solidFill>
-                  <a:schemeClr val="tx1"/>
-                </a:solidFill>
-              </a:rPr>
-              <a:t>: </a:t>
-            </a:r>
-            <a:r>
-              <a:rPr lang="fr-FR" dirty="0">
-                <a:solidFill>
-                  <a:schemeClr val="tx1"/>
-                </a:solidFill>
-                <a:hlinkClick r:id="rId4"/>
-              </a:rPr>
-              <a:t>http://www.pythontutor.com</a:t>
-            </a:r>
-            <a:r>
-              <a:rPr lang="fr-FR" dirty="0" smtClean="0">
-                <a:solidFill>
-                  <a:schemeClr val="tx1"/>
-                </a:solidFill>
-                <a:hlinkClick r:id="rId4"/>
-              </a:rPr>
-              <a:t>/</a:t>
-            </a:r>
             <a:endParaRPr lang="fr-FR" dirty="0" smtClean="0">
               <a:solidFill>
                 <a:schemeClr val="tx1"/>
@@ -41368,16 +43334,67 @@
             </a:endParaRPr>
           </a:p>
           <a:p>
-            <a:pPr algn="just"/>
-            <a:r>
-              <a:rPr lang="fr-FR" dirty="0" smtClean="0">
-                <a:solidFill>
-                  <a:schemeClr val="tx1"/>
-                </a:solidFill>
-              </a:rPr>
-              <a:t>…</a:t>
-            </a:r>
-            <a:endParaRPr lang="fr-FR" dirty="0">
+            <a:r>
+              <a:rPr lang="fr-FR" dirty="0" smtClean="0">
+                <a:solidFill>
+                  <a:schemeClr val="tx1"/>
+                </a:solidFill>
+              </a:rPr>
+              <a:t>Il </a:t>
+            </a:r>
+            <a:r>
+              <a:rPr lang="fr-FR" dirty="0">
+                <a:solidFill>
+                  <a:schemeClr val="tx1"/>
+                </a:solidFill>
+              </a:rPr>
+              <a:t>est important de comprendre ces primitives fondamentales et comment elles fonctionnent à un niveau plus </a:t>
+            </a:r>
+            <a:r>
+              <a:rPr lang="fr-FR" dirty="0" smtClean="0">
+                <a:solidFill>
+                  <a:schemeClr val="tx1"/>
+                </a:solidFill>
+              </a:rPr>
+              <a:t>granulaire</a:t>
+            </a:r>
+          </a:p>
+          <a:p>
+            <a:r>
+              <a:rPr lang="fr-FR" dirty="0">
+                <a:solidFill>
+                  <a:schemeClr val="tx1"/>
+                </a:solidFill>
+              </a:rPr>
+              <a:t>Le scénario le plus commun utilisé pour mettre en évidence les avantages des conditions est celui d'un </a:t>
+            </a:r>
+            <a:r>
+              <a:rPr lang="fr-FR" dirty="0" smtClean="0">
+                <a:solidFill>
+                  <a:schemeClr val="tx1"/>
+                </a:solidFill>
+              </a:rPr>
+              <a:t>producteur/consommateur</a:t>
+            </a:r>
+          </a:p>
+          <a:p>
+            <a:r>
+              <a:rPr lang="fr-FR" dirty="0" smtClean="0">
+                <a:solidFill>
+                  <a:schemeClr val="tx1"/>
+                </a:solidFill>
+              </a:rPr>
+              <a:t>Vous </a:t>
+            </a:r>
+            <a:r>
+              <a:rPr lang="fr-FR" dirty="0">
+                <a:solidFill>
+                  <a:schemeClr val="tx1"/>
+                </a:solidFill>
+              </a:rPr>
+              <a:t>pouvez avoir un producteur qui publie des messages dans une file d'attente et avertit les autres threads, c'est-à-dire les consommateurs, qu'il y a maintenant des messages en attente d'être consommés dans cette file d'attente</a:t>
+            </a:r>
+            <a:endParaRPr lang="en-US" dirty="0">
               <a:solidFill>
                 <a:schemeClr val="tx1"/>
               </a:solidFill>
@@ -41385,10 +43402,1768 @@
           </a:p>
         </p:txBody>
       </p:sp>
+      <p:pic>
+        <p:nvPicPr>
+          <p:cNvPr id="3" name="Image 2"/>
+          <p:cNvPicPr>
+            <a:picLocks noChangeAspect="1"/>
+          </p:cNvPicPr>
+          <p:nvPr/>
+        </p:nvPicPr>
+        <p:blipFill>
+          <a:blip r:embed="rId3"/>
+          <a:stretch>
+            <a:fillRect/>
+          </a:stretch>
+        </p:blipFill>
+        <p:spPr>
+          <a:xfrm>
+            <a:off x="3918873" y="2579211"/>
+            <a:ext cx="6029325" cy="1190625"/>
+          </a:xfrm>
+          <a:prstGeom prst="rect">
+            <a:avLst/>
+          </a:prstGeom>
+          <a:ln>
+            <a:noFill/>
+          </a:ln>
+          <a:effectLst>
+            <a:outerShdw blurRad="292100" dist="139700" dir="2700000" algn="tl" rotWithShape="0">
+              <a:srgbClr val="333333">
+                <a:alpha val="65000"/>
+              </a:srgbClr>
+            </a:outerShdw>
+          </a:effectLst>
+        </p:spPr>
+      </p:pic>
     </p:spTree>
     <p:extLst>
       <p:ext uri="{BB962C8B-B14F-4D97-AF65-F5344CB8AC3E}">
-        <p14:creationId xmlns:p14="http://schemas.microsoft.com/office/powerpoint/2010/main" val="3475247113"/>
+        <p14:creationId xmlns:p14="http://schemas.microsoft.com/office/powerpoint/2010/main" val="1315182552"/>
+      </p:ext>
+    </p:extLst>
+  </p:cSld>
+  <p:clrMapOvr>
+    <a:masterClrMapping/>
+  </p:clrMapOvr>
+  <p:timing>
+    <p:tnLst>
+      <p:par>
+        <p:cTn id="1" dur="indefinite" restart="never" nodeType="tmRoot"/>
+      </p:par>
+    </p:tnLst>
+  </p:timing>
+</p:sld>
+</file>
+
+<file path=ppt/slides/slide156.xml><?xml version="1.0" encoding="utf-8"?>
+<p:sld xmlns:a="http://schemas.openxmlformats.org/drawingml/2006/main" xmlns:r="http://schemas.openxmlformats.org/officeDocument/2006/relationships" xmlns:p="http://schemas.openxmlformats.org/presentationml/2006/main">
+  <p:cSld>
+    <p:spTree>
+      <p:nvGrpSpPr>
+        <p:cNvPr id="1" name=""/>
+        <p:cNvGrpSpPr/>
+        <p:nvPr/>
+      </p:nvGrpSpPr>
+      <p:grpSpPr>
+        <a:xfrm>
+          <a:off x="0" y="0"/>
+          <a:ext cx="0" cy="0"/>
+          <a:chOff x="0" y="0"/>
+          <a:chExt cx="0" cy="0"/>
+        </a:xfrm>
+      </p:grpSpPr>
+      <p:sp>
+        <p:nvSpPr>
+          <p:cNvPr id="2" name="Titre 1"/>
+          <p:cNvSpPr>
+            <a:spLocks noGrp="1"/>
+          </p:cNvSpPr>
+          <p:nvPr>
+            <p:ph type="title"/>
+          </p:nvPr>
+        </p:nvSpPr>
+        <p:spPr>
+          <a:xfrm>
+            <a:off x="1979874" y="624110"/>
+            <a:ext cx="9907325" cy="664001"/>
+          </a:xfrm>
+        </p:spPr>
+        <p:txBody>
+          <a:bodyPr>
+            <a:normAutofit/>
+          </a:bodyPr>
+          <a:lstStyle/>
+          <a:p>
+            <a:r>
+              <a:rPr lang="fr-FR" dirty="0" smtClean="0">
+                <a:solidFill>
+                  <a:schemeClr val="tx1"/>
+                </a:solidFill>
+              </a:rPr>
+              <a:t>Conditions</a:t>
+            </a:r>
+            <a:endParaRPr lang="fr-FR" b="1" i="1" dirty="0">
+              <a:solidFill>
+                <a:schemeClr val="accent6"/>
+              </a:solidFill>
+            </a:endParaRPr>
+          </a:p>
+        </p:txBody>
+      </p:sp>
+      <p:sp>
+        <p:nvSpPr>
+          <p:cNvPr id="8" name="Espace réservé du contenu 2"/>
+          <p:cNvSpPr txBox="1">
+            <a:spLocks/>
+          </p:cNvSpPr>
+          <p:nvPr/>
+        </p:nvSpPr>
+        <p:spPr>
+          <a:xfrm>
+            <a:off x="1383527" y="1916264"/>
+            <a:ext cx="10129962" cy="4436828"/>
+          </a:xfrm>
+          <a:prstGeom prst="rect">
+            <a:avLst/>
+          </a:prstGeom>
+        </p:spPr>
+        <p:txBody>
+          <a:bodyPr vert="horz" lIns="91440" tIns="45720" rIns="91440" bIns="45720" rtlCol="0" anchor="ctr">
+            <a:normAutofit/>
+          </a:bodyPr>
+          <a:lstStyle>
+            <a:lvl1pPr marL="342900" indent="-342900" algn="l" defTabSz="457200" rtl="0" eaLnBrk="1" latinLnBrk="0" hangingPunct="1">
+              <a:spcBef>
+                <a:spcPts val="1000"/>
+              </a:spcBef>
+              <a:spcAft>
+                <a:spcPts val="0"/>
+              </a:spcAft>
+              <a:buClr>
+                <a:schemeClr val="accent1"/>
+              </a:buClr>
+              <a:buFont typeface="Wingdings 3" charset="2"/>
+              <a:buChar char=""/>
+              <a:defRPr sz="1800" kern="1200">
+                <a:solidFill>
+                  <a:schemeClr val="tx1">
+                    <a:lumMod val="75000"/>
+                    <a:lumOff val="25000"/>
+                  </a:schemeClr>
+                </a:solidFill>
+                <a:latin typeface="+mn-lt"/>
+                <a:ea typeface="+mn-ea"/>
+                <a:cs typeface="+mn-cs"/>
+              </a:defRPr>
+            </a:lvl1pPr>
+            <a:lvl2pPr marL="742950" indent="-285750" algn="l" defTabSz="457200" rtl="0" eaLnBrk="1" latinLnBrk="0" hangingPunct="1">
+              <a:spcBef>
+                <a:spcPts val="1000"/>
+              </a:spcBef>
+              <a:spcAft>
+                <a:spcPts val="0"/>
+              </a:spcAft>
+              <a:buClr>
+                <a:schemeClr val="accent1"/>
+              </a:buClr>
+              <a:buFont typeface="Wingdings 3" charset="2"/>
+              <a:buChar char=""/>
+              <a:defRPr sz="1600" kern="1200">
+                <a:solidFill>
+                  <a:schemeClr val="tx1">
+                    <a:lumMod val="75000"/>
+                    <a:lumOff val="25000"/>
+                  </a:schemeClr>
+                </a:solidFill>
+                <a:latin typeface="+mn-lt"/>
+                <a:ea typeface="+mn-ea"/>
+                <a:cs typeface="+mn-cs"/>
+              </a:defRPr>
+            </a:lvl2pPr>
+            <a:lvl3pPr marL="1143000" indent="-228600" algn="l" defTabSz="457200" rtl="0" eaLnBrk="1" latinLnBrk="0" hangingPunct="1">
+              <a:spcBef>
+                <a:spcPts val="1000"/>
+              </a:spcBef>
+              <a:spcAft>
+                <a:spcPts val="0"/>
+              </a:spcAft>
+              <a:buClr>
+                <a:schemeClr val="accent1"/>
+              </a:buClr>
+              <a:buFont typeface="Wingdings 3" charset="2"/>
+              <a:buChar char=""/>
+              <a:defRPr sz="1400" kern="1200">
+                <a:solidFill>
+                  <a:schemeClr val="tx1">
+                    <a:lumMod val="75000"/>
+                    <a:lumOff val="25000"/>
+                  </a:schemeClr>
+                </a:solidFill>
+                <a:latin typeface="+mn-lt"/>
+                <a:ea typeface="+mn-ea"/>
+                <a:cs typeface="+mn-cs"/>
+              </a:defRPr>
+            </a:lvl3pPr>
+            <a:lvl4pPr marL="1600200" indent="-228600" algn="l" defTabSz="457200" rtl="0" eaLnBrk="1" latinLnBrk="0" hangingPunct="1">
+              <a:spcBef>
+                <a:spcPts val="1000"/>
+              </a:spcBef>
+              <a:spcAft>
+                <a:spcPts val="0"/>
+              </a:spcAft>
+              <a:buClr>
+                <a:schemeClr val="accent1"/>
+              </a:buClr>
+              <a:buFont typeface="Wingdings 3" charset="2"/>
+              <a:buChar char=""/>
+              <a:defRPr sz="1200" kern="1200">
+                <a:solidFill>
+                  <a:schemeClr val="tx1">
+                    <a:lumMod val="75000"/>
+                    <a:lumOff val="25000"/>
+                  </a:schemeClr>
+                </a:solidFill>
+                <a:latin typeface="+mn-lt"/>
+                <a:ea typeface="+mn-ea"/>
+                <a:cs typeface="+mn-cs"/>
+              </a:defRPr>
+            </a:lvl4pPr>
+            <a:lvl5pPr marL="2057400" indent="-228600" algn="l" defTabSz="457200" rtl="0" eaLnBrk="1" latinLnBrk="0" hangingPunct="1">
+              <a:spcBef>
+                <a:spcPts val="1000"/>
+              </a:spcBef>
+              <a:spcAft>
+                <a:spcPts val="0"/>
+              </a:spcAft>
+              <a:buClr>
+                <a:schemeClr val="accent1"/>
+              </a:buClr>
+              <a:buFont typeface="Wingdings 3" charset="2"/>
+              <a:buChar char=""/>
+              <a:defRPr sz="1200" kern="1200">
+                <a:solidFill>
+                  <a:schemeClr val="tx1">
+                    <a:lumMod val="75000"/>
+                    <a:lumOff val="25000"/>
+                  </a:schemeClr>
+                </a:solidFill>
+                <a:latin typeface="+mn-lt"/>
+                <a:ea typeface="+mn-ea"/>
+                <a:cs typeface="+mn-cs"/>
+              </a:defRPr>
+            </a:lvl5pPr>
+            <a:lvl6pPr marL="2514600" indent="-228600" algn="l" defTabSz="457200" rtl="0" eaLnBrk="1" latinLnBrk="0" hangingPunct="1">
+              <a:spcBef>
+                <a:spcPts val="1000"/>
+              </a:spcBef>
+              <a:spcAft>
+                <a:spcPts val="0"/>
+              </a:spcAft>
+              <a:buClr>
+                <a:schemeClr val="accent1"/>
+              </a:buClr>
+              <a:buFont typeface="Wingdings 3" charset="2"/>
+              <a:buChar char=""/>
+              <a:defRPr sz="1200" kern="1200">
+                <a:solidFill>
+                  <a:schemeClr val="tx1">
+                    <a:lumMod val="75000"/>
+                    <a:lumOff val="25000"/>
+                  </a:schemeClr>
+                </a:solidFill>
+                <a:latin typeface="+mn-lt"/>
+                <a:ea typeface="+mn-ea"/>
+                <a:cs typeface="+mn-cs"/>
+              </a:defRPr>
+            </a:lvl6pPr>
+            <a:lvl7pPr marL="2971800" indent="-228600" algn="l" defTabSz="457200" rtl="0" eaLnBrk="1" latinLnBrk="0" hangingPunct="1">
+              <a:spcBef>
+                <a:spcPts val="1000"/>
+              </a:spcBef>
+              <a:spcAft>
+                <a:spcPts val="0"/>
+              </a:spcAft>
+              <a:buClr>
+                <a:schemeClr val="accent1"/>
+              </a:buClr>
+              <a:buFont typeface="Wingdings 3" charset="2"/>
+              <a:buChar char=""/>
+              <a:defRPr sz="1200" kern="1200">
+                <a:solidFill>
+                  <a:schemeClr val="tx1">
+                    <a:lumMod val="75000"/>
+                    <a:lumOff val="25000"/>
+                  </a:schemeClr>
+                </a:solidFill>
+                <a:latin typeface="+mn-lt"/>
+                <a:ea typeface="+mn-ea"/>
+                <a:cs typeface="+mn-cs"/>
+              </a:defRPr>
+            </a:lvl7pPr>
+            <a:lvl8pPr marL="3429000" indent="-228600" algn="l" defTabSz="457200" rtl="0" eaLnBrk="1" latinLnBrk="0" hangingPunct="1">
+              <a:spcBef>
+                <a:spcPts val="1000"/>
+              </a:spcBef>
+              <a:spcAft>
+                <a:spcPts val="0"/>
+              </a:spcAft>
+              <a:buClr>
+                <a:schemeClr val="accent1"/>
+              </a:buClr>
+              <a:buFont typeface="Wingdings 3" charset="2"/>
+              <a:buChar char=""/>
+              <a:defRPr sz="1200" kern="1200">
+                <a:solidFill>
+                  <a:schemeClr val="tx1">
+                    <a:lumMod val="75000"/>
+                    <a:lumOff val="25000"/>
+                  </a:schemeClr>
+                </a:solidFill>
+                <a:latin typeface="+mn-lt"/>
+                <a:ea typeface="+mn-ea"/>
+                <a:cs typeface="+mn-cs"/>
+              </a:defRPr>
+            </a:lvl8pPr>
+            <a:lvl9pPr marL="3886200" indent="-228600" algn="l" defTabSz="457200" rtl="0" eaLnBrk="1" latinLnBrk="0" hangingPunct="1">
+              <a:spcBef>
+                <a:spcPts val="1000"/>
+              </a:spcBef>
+              <a:spcAft>
+                <a:spcPts val="0"/>
+              </a:spcAft>
+              <a:buClr>
+                <a:schemeClr val="accent1"/>
+              </a:buClr>
+              <a:buFont typeface="Wingdings 3" charset="2"/>
+              <a:buChar char=""/>
+              <a:defRPr sz="1200" kern="1200">
+                <a:solidFill>
+                  <a:schemeClr val="tx1">
+                    <a:lumMod val="75000"/>
+                    <a:lumOff val="25000"/>
+                  </a:schemeClr>
+                </a:solidFill>
+                <a:latin typeface="+mn-lt"/>
+                <a:ea typeface="+mn-ea"/>
+                <a:cs typeface="+mn-cs"/>
+              </a:defRPr>
+            </a:lvl9pPr>
+          </a:lstStyle>
+          <a:p>
+            <a:r>
+              <a:rPr lang="fr-FR" dirty="0">
+                <a:solidFill>
+                  <a:schemeClr val="tx1"/>
+                </a:solidFill>
+              </a:rPr>
+              <a:t>Dans cet exemple, nous allons créer deux classes différentes qui hériteront de la classe </a:t>
+            </a:r>
+            <a:r>
+              <a:rPr lang="fr-FR" dirty="0" smtClean="0">
+                <a:solidFill>
+                  <a:schemeClr val="tx1"/>
+                </a:solidFill>
+              </a:rPr>
+              <a:t>thread</a:t>
+            </a:r>
+          </a:p>
+          <a:p>
+            <a:r>
+              <a:rPr lang="fr-FR" dirty="0" smtClean="0">
+                <a:solidFill>
+                  <a:schemeClr val="tx1"/>
+                </a:solidFill>
+              </a:rPr>
+              <a:t>Celles-ci </a:t>
+            </a:r>
+            <a:r>
+              <a:rPr lang="fr-FR" dirty="0">
+                <a:solidFill>
+                  <a:schemeClr val="tx1"/>
+                </a:solidFill>
+              </a:rPr>
+              <a:t>seront notre éditeur et </a:t>
+            </a:r>
+            <a:r>
+              <a:rPr lang="fr-FR" dirty="0" smtClean="0">
+                <a:solidFill>
+                  <a:schemeClr val="tx1"/>
+                </a:solidFill>
+              </a:rPr>
+              <a:t>notre abonné</a:t>
+            </a:r>
+          </a:p>
+          <a:p>
+            <a:r>
+              <a:rPr lang="fr-FR" dirty="0" smtClean="0">
+                <a:solidFill>
+                  <a:schemeClr val="tx1"/>
+                </a:solidFill>
+              </a:rPr>
+              <a:t>L'éditeur </a:t>
+            </a:r>
+            <a:r>
+              <a:rPr lang="fr-FR" dirty="0">
+                <a:solidFill>
+                  <a:schemeClr val="tx1"/>
+                </a:solidFill>
+              </a:rPr>
+              <a:t>effectuera la tâche de publication de nouveaux entiers dans un tableau d'entiers, puis notifiera aux abonnés qu'il existe un nouvel entier à utiliser dans le </a:t>
+            </a:r>
+            <a:r>
+              <a:rPr lang="fr-FR" dirty="0" smtClean="0">
+                <a:solidFill>
+                  <a:schemeClr val="tx1"/>
+                </a:solidFill>
+              </a:rPr>
+              <a:t>tableau</a:t>
+            </a:r>
+            <a:endParaRPr lang="en-US" dirty="0">
+              <a:solidFill>
+                <a:schemeClr val="tx1"/>
+              </a:solidFill>
+            </a:endParaRPr>
+          </a:p>
+        </p:txBody>
+      </p:sp>
+    </p:spTree>
+    <p:extLst>
+      <p:ext uri="{BB962C8B-B14F-4D97-AF65-F5344CB8AC3E}">
+        <p14:creationId xmlns:p14="http://schemas.microsoft.com/office/powerpoint/2010/main" val="2512215225"/>
+      </p:ext>
+    </p:extLst>
+  </p:cSld>
+  <p:clrMapOvr>
+    <a:masterClrMapping/>
+  </p:clrMapOvr>
+  <p:timing>
+    <p:tnLst>
+      <p:par>
+        <p:cTn id="1" dur="indefinite" restart="never" nodeType="tmRoot"/>
+      </p:par>
+    </p:tnLst>
+  </p:timing>
+</p:sld>
+</file>
+
+<file path=ppt/slides/slide157.xml><?xml version="1.0" encoding="utf-8"?>
+<p:sld xmlns:a="http://schemas.openxmlformats.org/drawingml/2006/main" xmlns:r="http://schemas.openxmlformats.org/officeDocument/2006/relationships" xmlns:p="http://schemas.openxmlformats.org/presentationml/2006/main">
+  <p:cSld>
+    <p:spTree>
+      <p:nvGrpSpPr>
+        <p:cNvPr id="1" name=""/>
+        <p:cNvGrpSpPr/>
+        <p:nvPr/>
+      </p:nvGrpSpPr>
+      <p:grpSpPr>
+        <a:xfrm>
+          <a:off x="0" y="0"/>
+          <a:ext cx="0" cy="0"/>
+          <a:chOff x="0" y="0"/>
+          <a:chExt cx="0" cy="0"/>
+        </a:xfrm>
+      </p:grpSpPr>
+      <p:sp>
+        <p:nvSpPr>
+          <p:cNvPr id="2" name="Titre 1"/>
+          <p:cNvSpPr>
+            <a:spLocks noGrp="1"/>
+          </p:cNvSpPr>
+          <p:nvPr>
+            <p:ph type="title"/>
+          </p:nvPr>
+        </p:nvSpPr>
+        <p:spPr>
+          <a:xfrm>
+            <a:off x="1979874" y="624110"/>
+            <a:ext cx="9907325" cy="664001"/>
+          </a:xfrm>
+        </p:spPr>
+        <p:txBody>
+          <a:bodyPr>
+            <a:normAutofit/>
+          </a:bodyPr>
+          <a:lstStyle/>
+          <a:p>
+            <a:r>
+              <a:rPr lang="fr-FR" dirty="0" smtClean="0">
+                <a:solidFill>
+                  <a:schemeClr val="tx1"/>
+                </a:solidFill>
+              </a:rPr>
+              <a:t>Conditions</a:t>
+            </a:r>
+            <a:endParaRPr lang="fr-FR" b="1" i="1" dirty="0">
+              <a:solidFill>
+                <a:schemeClr val="accent6"/>
+              </a:solidFill>
+            </a:endParaRPr>
+          </a:p>
+        </p:txBody>
+      </p:sp>
+      <p:sp>
+        <p:nvSpPr>
+          <p:cNvPr id="8" name="Espace réservé du contenu 2"/>
+          <p:cNvSpPr txBox="1">
+            <a:spLocks/>
+          </p:cNvSpPr>
+          <p:nvPr/>
+        </p:nvSpPr>
+        <p:spPr>
+          <a:xfrm>
+            <a:off x="1383527" y="1916264"/>
+            <a:ext cx="10129962" cy="4436828"/>
+          </a:xfrm>
+          <a:prstGeom prst="rect">
+            <a:avLst/>
+          </a:prstGeom>
+        </p:spPr>
+        <p:txBody>
+          <a:bodyPr vert="horz" lIns="91440" tIns="45720" rIns="91440" bIns="45720" rtlCol="0" anchor="ctr">
+            <a:normAutofit/>
+          </a:bodyPr>
+          <a:lstStyle>
+            <a:lvl1pPr marL="342900" indent="-342900" algn="l" defTabSz="457200" rtl="0" eaLnBrk="1" latinLnBrk="0" hangingPunct="1">
+              <a:spcBef>
+                <a:spcPts val="1000"/>
+              </a:spcBef>
+              <a:spcAft>
+                <a:spcPts val="0"/>
+              </a:spcAft>
+              <a:buClr>
+                <a:schemeClr val="accent1"/>
+              </a:buClr>
+              <a:buFont typeface="Wingdings 3" charset="2"/>
+              <a:buChar char=""/>
+              <a:defRPr sz="1800" kern="1200">
+                <a:solidFill>
+                  <a:schemeClr val="tx1">
+                    <a:lumMod val="75000"/>
+                    <a:lumOff val="25000"/>
+                  </a:schemeClr>
+                </a:solidFill>
+                <a:latin typeface="+mn-lt"/>
+                <a:ea typeface="+mn-ea"/>
+                <a:cs typeface="+mn-cs"/>
+              </a:defRPr>
+            </a:lvl1pPr>
+            <a:lvl2pPr marL="742950" indent="-285750" algn="l" defTabSz="457200" rtl="0" eaLnBrk="1" latinLnBrk="0" hangingPunct="1">
+              <a:spcBef>
+                <a:spcPts val="1000"/>
+              </a:spcBef>
+              <a:spcAft>
+                <a:spcPts val="0"/>
+              </a:spcAft>
+              <a:buClr>
+                <a:schemeClr val="accent1"/>
+              </a:buClr>
+              <a:buFont typeface="Wingdings 3" charset="2"/>
+              <a:buChar char=""/>
+              <a:defRPr sz="1600" kern="1200">
+                <a:solidFill>
+                  <a:schemeClr val="tx1">
+                    <a:lumMod val="75000"/>
+                    <a:lumOff val="25000"/>
+                  </a:schemeClr>
+                </a:solidFill>
+                <a:latin typeface="+mn-lt"/>
+                <a:ea typeface="+mn-ea"/>
+                <a:cs typeface="+mn-cs"/>
+              </a:defRPr>
+            </a:lvl2pPr>
+            <a:lvl3pPr marL="1143000" indent="-228600" algn="l" defTabSz="457200" rtl="0" eaLnBrk="1" latinLnBrk="0" hangingPunct="1">
+              <a:spcBef>
+                <a:spcPts val="1000"/>
+              </a:spcBef>
+              <a:spcAft>
+                <a:spcPts val="0"/>
+              </a:spcAft>
+              <a:buClr>
+                <a:schemeClr val="accent1"/>
+              </a:buClr>
+              <a:buFont typeface="Wingdings 3" charset="2"/>
+              <a:buChar char=""/>
+              <a:defRPr sz="1400" kern="1200">
+                <a:solidFill>
+                  <a:schemeClr val="tx1">
+                    <a:lumMod val="75000"/>
+                    <a:lumOff val="25000"/>
+                  </a:schemeClr>
+                </a:solidFill>
+                <a:latin typeface="+mn-lt"/>
+                <a:ea typeface="+mn-ea"/>
+                <a:cs typeface="+mn-cs"/>
+              </a:defRPr>
+            </a:lvl3pPr>
+            <a:lvl4pPr marL="1600200" indent="-228600" algn="l" defTabSz="457200" rtl="0" eaLnBrk="1" latinLnBrk="0" hangingPunct="1">
+              <a:spcBef>
+                <a:spcPts val="1000"/>
+              </a:spcBef>
+              <a:spcAft>
+                <a:spcPts val="0"/>
+              </a:spcAft>
+              <a:buClr>
+                <a:schemeClr val="accent1"/>
+              </a:buClr>
+              <a:buFont typeface="Wingdings 3" charset="2"/>
+              <a:buChar char=""/>
+              <a:defRPr sz="1200" kern="1200">
+                <a:solidFill>
+                  <a:schemeClr val="tx1">
+                    <a:lumMod val="75000"/>
+                    <a:lumOff val="25000"/>
+                  </a:schemeClr>
+                </a:solidFill>
+                <a:latin typeface="+mn-lt"/>
+                <a:ea typeface="+mn-ea"/>
+                <a:cs typeface="+mn-cs"/>
+              </a:defRPr>
+            </a:lvl4pPr>
+            <a:lvl5pPr marL="2057400" indent="-228600" algn="l" defTabSz="457200" rtl="0" eaLnBrk="1" latinLnBrk="0" hangingPunct="1">
+              <a:spcBef>
+                <a:spcPts val="1000"/>
+              </a:spcBef>
+              <a:spcAft>
+                <a:spcPts val="0"/>
+              </a:spcAft>
+              <a:buClr>
+                <a:schemeClr val="accent1"/>
+              </a:buClr>
+              <a:buFont typeface="Wingdings 3" charset="2"/>
+              <a:buChar char=""/>
+              <a:defRPr sz="1200" kern="1200">
+                <a:solidFill>
+                  <a:schemeClr val="tx1">
+                    <a:lumMod val="75000"/>
+                    <a:lumOff val="25000"/>
+                  </a:schemeClr>
+                </a:solidFill>
+                <a:latin typeface="+mn-lt"/>
+                <a:ea typeface="+mn-ea"/>
+                <a:cs typeface="+mn-cs"/>
+              </a:defRPr>
+            </a:lvl5pPr>
+            <a:lvl6pPr marL="2514600" indent="-228600" algn="l" defTabSz="457200" rtl="0" eaLnBrk="1" latinLnBrk="0" hangingPunct="1">
+              <a:spcBef>
+                <a:spcPts val="1000"/>
+              </a:spcBef>
+              <a:spcAft>
+                <a:spcPts val="0"/>
+              </a:spcAft>
+              <a:buClr>
+                <a:schemeClr val="accent1"/>
+              </a:buClr>
+              <a:buFont typeface="Wingdings 3" charset="2"/>
+              <a:buChar char=""/>
+              <a:defRPr sz="1200" kern="1200">
+                <a:solidFill>
+                  <a:schemeClr val="tx1">
+                    <a:lumMod val="75000"/>
+                    <a:lumOff val="25000"/>
+                  </a:schemeClr>
+                </a:solidFill>
+                <a:latin typeface="+mn-lt"/>
+                <a:ea typeface="+mn-ea"/>
+                <a:cs typeface="+mn-cs"/>
+              </a:defRPr>
+            </a:lvl6pPr>
+            <a:lvl7pPr marL="2971800" indent="-228600" algn="l" defTabSz="457200" rtl="0" eaLnBrk="1" latinLnBrk="0" hangingPunct="1">
+              <a:spcBef>
+                <a:spcPts val="1000"/>
+              </a:spcBef>
+              <a:spcAft>
+                <a:spcPts val="0"/>
+              </a:spcAft>
+              <a:buClr>
+                <a:schemeClr val="accent1"/>
+              </a:buClr>
+              <a:buFont typeface="Wingdings 3" charset="2"/>
+              <a:buChar char=""/>
+              <a:defRPr sz="1200" kern="1200">
+                <a:solidFill>
+                  <a:schemeClr val="tx1">
+                    <a:lumMod val="75000"/>
+                    <a:lumOff val="25000"/>
+                  </a:schemeClr>
+                </a:solidFill>
+                <a:latin typeface="+mn-lt"/>
+                <a:ea typeface="+mn-ea"/>
+                <a:cs typeface="+mn-cs"/>
+              </a:defRPr>
+            </a:lvl7pPr>
+            <a:lvl8pPr marL="3429000" indent="-228600" algn="l" defTabSz="457200" rtl="0" eaLnBrk="1" latinLnBrk="0" hangingPunct="1">
+              <a:spcBef>
+                <a:spcPts val="1000"/>
+              </a:spcBef>
+              <a:spcAft>
+                <a:spcPts val="0"/>
+              </a:spcAft>
+              <a:buClr>
+                <a:schemeClr val="accent1"/>
+              </a:buClr>
+              <a:buFont typeface="Wingdings 3" charset="2"/>
+              <a:buChar char=""/>
+              <a:defRPr sz="1200" kern="1200">
+                <a:solidFill>
+                  <a:schemeClr val="tx1">
+                    <a:lumMod val="75000"/>
+                    <a:lumOff val="25000"/>
+                  </a:schemeClr>
+                </a:solidFill>
+                <a:latin typeface="+mn-lt"/>
+                <a:ea typeface="+mn-ea"/>
+                <a:cs typeface="+mn-cs"/>
+              </a:defRPr>
+            </a:lvl8pPr>
+            <a:lvl9pPr marL="3886200" indent="-228600" algn="l" defTabSz="457200" rtl="0" eaLnBrk="1" latinLnBrk="0" hangingPunct="1">
+              <a:spcBef>
+                <a:spcPts val="1000"/>
+              </a:spcBef>
+              <a:spcAft>
+                <a:spcPts val="0"/>
+              </a:spcAft>
+              <a:buClr>
+                <a:schemeClr val="accent1"/>
+              </a:buClr>
+              <a:buFont typeface="Wingdings 3" charset="2"/>
+              <a:buChar char=""/>
+              <a:defRPr sz="1200" kern="1200">
+                <a:solidFill>
+                  <a:schemeClr val="tx1">
+                    <a:lumMod val="75000"/>
+                    <a:lumOff val="25000"/>
+                  </a:schemeClr>
+                </a:solidFill>
+                <a:latin typeface="+mn-lt"/>
+                <a:ea typeface="+mn-ea"/>
+                <a:cs typeface="+mn-cs"/>
+              </a:defRPr>
+            </a:lvl9pPr>
+          </a:lstStyle>
+          <a:p>
+            <a:r>
+              <a:rPr lang="fr-FR" dirty="0">
+                <a:solidFill>
+                  <a:schemeClr val="tx1"/>
+                </a:solidFill>
+              </a:rPr>
+              <a:t>Notre classe Publisher a deux fonctions définies en son </a:t>
+            </a:r>
+            <a:r>
+              <a:rPr lang="fr-FR" dirty="0" smtClean="0">
+                <a:solidFill>
+                  <a:schemeClr val="tx1"/>
+                </a:solidFill>
+              </a:rPr>
+              <a:t>sein</a:t>
+            </a:r>
+          </a:p>
+          <a:p>
+            <a:r>
+              <a:rPr lang="fr-FR" dirty="0" smtClean="0">
+                <a:solidFill>
+                  <a:schemeClr val="tx1"/>
+                </a:solidFill>
+              </a:rPr>
+              <a:t>Le </a:t>
+            </a:r>
+            <a:r>
+              <a:rPr lang="fr-FR" dirty="0">
+                <a:solidFill>
+                  <a:schemeClr val="tx1"/>
+                </a:solidFill>
+              </a:rPr>
+              <a:t>constructeur qui prend en référence le tableau des entiers et la primitive de </a:t>
+            </a:r>
+            <a:r>
+              <a:rPr lang="fr-FR" dirty="0" smtClean="0">
+                <a:solidFill>
+                  <a:schemeClr val="tx1"/>
+                </a:solidFill>
+              </a:rPr>
+              <a:t>condition</a:t>
+            </a:r>
+          </a:p>
+          <a:p>
+            <a:r>
+              <a:rPr lang="fr-FR" dirty="0" smtClean="0">
+                <a:solidFill>
+                  <a:schemeClr val="tx1"/>
+                </a:solidFill>
+              </a:rPr>
+              <a:t>La </a:t>
+            </a:r>
+            <a:r>
+              <a:rPr lang="fr-FR" dirty="0">
+                <a:solidFill>
+                  <a:schemeClr val="tx1"/>
+                </a:solidFill>
+              </a:rPr>
+              <a:t>fonction </a:t>
+            </a:r>
+            <a:r>
+              <a:rPr lang="fr-FR" b="1" i="1" dirty="0" smtClean="0">
+                <a:solidFill>
+                  <a:schemeClr val="accent6"/>
+                </a:solidFill>
+              </a:rPr>
+              <a:t>run()</a:t>
+            </a:r>
+            <a:r>
+              <a:rPr lang="fr-FR" dirty="0" smtClean="0">
+                <a:solidFill>
+                  <a:schemeClr val="tx1"/>
+                </a:solidFill>
+              </a:rPr>
+              <a:t> entre </a:t>
+            </a:r>
+            <a:r>
+              <a:rPr lang="fr-FR" dirty="0">
+                <a:solidFill>
+                  <a:schemeClr val="tx1"/>
+                </a:solidFill>
+              </a:rPr>
+              <a:t>dans une boucle permanente lorsqu'elle est invoquée, puis génère un entier aléatoire entre 0 et </a:t>
+            </a:r>
+            <a:r>
+              <a:rPr lang="fr-FR" dirty="0" smtClean="0">
+                <a:solidFill>
+                  <a:schemeClr val="tx1"/>
+                </a:solidFill>
+              </a:rPr>
+              <a:t>1000</a:t>
+            </a:r>
+          </a:p>
+          <a:p>
+            <a:r>
+              <a:rPr lang="fr-FR" dirty="0" smtClean="0">
+                <a:solidFill>
+                  <a:schemeClr val="tx1"/>
+                </a:solidFill>
+              </a:rPr>
+              <a:t>Une </a:t>
+            </a:r>
+            <a:r>
+              <a:rPr lang="fr-FR" dirty="0">
+                <a:solidFill>
+                  <a:schemeClr val="tx1"/>
+                </a:solidFill>
+              </a:rPr>
+              <a:t>fois que nous avons généré ce nombre, nous acquérons la condition, puis nous ajoutons cet entier nouvellement généré à notre tableau </a:t>
+            </a:r>
+            <a:r>
+              <a:rPr lang="fr-FR" dirty="0" smtClean="0">
+                <a:solidFill>
+                  <a:schemeClr val="tx1"/>
+                </a:solidFill>
+              </a:rPr>
+              <a:t>d'entiers</a:t>
+            </a:r>
+          </a:p>
+          <a:p>
+            <a:r>
+              <a:rPr lang="fr-FR" dirty="0" smtClean="0">
+                <a:solidFill>
+                  <a:schemeClr val="tx1"/>
+                </a:solidFill>
+              </a:rPr>
+              <a:t>Une </a:t>
+            </a:r>
+            <a:r>
+              <a:rPr lang="fr-FR" dirty="0">
+                <a:solidFill>
+                  <a:schemeClr val="tx1"/>
+                </a:solidFill>
+              </a:rPr>
+              <a:t>fois que nous avons ajouté à notre tableau, nous informons d'abord nos abonnés qu'un nouvel élément a été ajouté à ce tableau, puis nous libérons la condition</a:t>
+            </a:r>
+            <a:endParaRPr lang="en-US" dirty="0">
+              <a:solidFill>
+                <a:schemeClr val="tx1"/>
+              </a:solidFill>
+            </a:endParaRPr>
+          </a:p>
+        </p:txBody>
+      </p:sp>
+    </p:spTree>
+    <p:extLst>
+      <p:ext uri="{BB962C8B-B14F-4D97-AF65-F5344CB8AC3E}">
+        <p14:creationId xmlns:p14="http://schemas.microsoft.com/office/powerpoint/2010/main" val="2009961762"/>
+      </p:ext>
+    </p:extLst>
+  </p:cSld>
+  <p:clrMapOvr>
+    <a:masterClrMapping/>
+  </p:clrMapOvr>
+  <p:timing>
+    <p:tnLst>
+      <p:par>
+        <p:cTn id="1" dur="indefinite" restart="never" nodeType="tmRoot"/>
+      </p:par>
+    </p:tnLst>
+  </p:timing>
+</p:sld>
+</file>
+
+<file path=ppt/slides/slide158.xml><?xml version="1.0" encoding="utf-8"?>
+<p:sld xmlns:a="http://schemas.openxmlformats.org/drawingml/2006/main" xmlns:r="http://schemas.openxmlformats.org/officeDocument/2006/relationships" xmlns:p="http://schemas.openxmlformats.org/presentationml/2006/main">
+  <p:cSld>
+    <p:spTree>
+      <p:nvGrpSpPr>
+        <p:cNvPr id="1" name=""/>
+        <p:cNvGrpSpPr/>
+        <p:nvPr/>
+      </p:nvGrpSpPr>
+      <p:grpSpPr>
+        <a:xfrm>
+          <a:off x="0" y="0"/>
+          <a:ext cx="0" cy="0"/>
+          <a:chOff x="0" y="0"/>
+          <a:chExt cx="0" cy="0"/>
+        </a:xfrm>
+      </p:grpSpPr>
+      <p:sp>
+        <p:nvSpPr>
+          <p:cNvPr id="2" name="Titre 1"/>
+          <p:cNvSpPr>
+            <a:spLocks noGrp="1"/>
+          </p:cNvSpPr>
+          <p:nvPr>
+            <p:ph type="title"/>
+          </p:nvPr>
+        </p:nvSpPr>
+        <p:spPr>
+          <a:xfrm>
+            <a:off x="1979874" y="624110"/>
+            <a:ext cx="9907325" cy="664001"/>
+          </a:xfrm>
+        </p:spPr>
+        <p:txBody>
+          <a:bodyPr>
+            <a:normAutofit/>
+          </a:bodyPr>
+          <a:lstStyle/>
+          <a:p>
+            <a:r>
+              <a:rPr lang="fr-FR" dirty="0" smtClean="0">
+                <a:solidFill>
+                  <a:schemeClr val="tx1"/>
+                </a:solidFill>
+              </a:rPr>
+              <a:t>Conditions</a:t>
+            </a:r>
+            <a:endParaRPr lang="fr-FR" b="1" i="1" dirty="0">
+              <a:solidFill>
+                <a:schemeClr val="accent6"/>
+              </a:solidFill>
+            </a:endParaRPr>
+          </a:p>
+        </p:txBody>
+      </p:sp>
+      <p:sp>
+        <p:nvSpPr>
+          <p:cNvPr id="8" name="Espace réservé du contenu 2"/>
+          <p:cNvSpPr txBox="1">
+            <a:spLocks/>
+          </p:cNvSpPr>
+          <p:nvPr/>
+        </p:nvSpPr>
+        <p:spPr>
+          <a:xfrm>
+            <a:off x="1383527" y="1916264"/>
+            <a:ext cx="1630017" cy="4436828"/>
+          </a:xfrm>
+          <a:prstGeom prst="rect">
+            <a:avLst/>
+          </a:prstGeom>
+        </p:spPr>
+        <p:txBody>
+          <a:bodyPr vert="horz" lIns="91440" tIns="45720" rIns="91440" bIns="45720" rtlCol="0" anchor="ctr">
+            <a:normAutofit/>
+          </a:bodyPr>
+          <a:lstStyle>
+            <a:lvl1pPr marL="342900" indent="-342900" algn="l" defTabSz="457200" rtl="0" eaLnBrk="1" latinLnBrk="0" hangingPunct="1">
+              <a:spcBef>
+                <a:spcPts val="1000"/>
+              </a:spcBef>
+              <a:spcAft>
+                <a:spcPts val="0"/>
+              </a:spcAft>
+              <a:buClr>
+                <a:schemeClr val="accent1"/>
+              </a:buClr>
+              <a:buFont typeface="Wingdings 3" charset="2"/>
+              <a:buChar char=""/>
+              <a:defRPr sz="1800" kern="1200">
+                <a:solidFill>
+                  <a:schemeClr val="tx1">
+                    <a:lumMod val="75000"/>
+                    <a:lumOff val="25000"/>
+                  </a:schemeClr>
+                </a:solidFill>
+                <a:latin typeface="+mn-lt"/>
+                <a:ea typeface="+mn-ea"/>
+                <a:cs typeface="+mn-cs"/>
+              </a:defRPr>
+            </a:lvl1pPr>
+            <a:lvl2pPr marL="742950" indent="-285750" algn="l" defTabSz="457200" rtl="0" eaLnBrk="1" latinLnBrk="0" hangingPunct="1">
+              <a:spcBef>
+                <a:spcPts val="1000"/>
+              </a:spcBef>
+              <a:spcAft>
+                <a:spcPts val="0"/>
+              </a:spcAft>
+              <a:buClr>
+                <a:schemeClr val="accent1"/>
+              </a:buClr>
+              <a:buFont typeface="Wingdings 3" charset="2"/>
+              <a:buChar char=""/>
+              <a:defRPr sz="1600" kern="1200">
+                <a:solidFill>
+                  <a:schemeClr val="tx1">
+                    <a:lumMod val="75000"/>
+                    <a:lumOff val="25000"/>
+                  </a:schemeClr>
+                </a:solidFill>
+                <a:latin typeface="+mn-lt"/>
+                <a:ea typeface="+mn-ea"/>
+                <a:cs typeface="+mn-cs"/>
+              </a:defRPr>
+            </a:lvl2pPr>
+            <a:lvl3pPr marL="1143000" indent="-228600" algn="l" defTabSz="457200" rtl="0" eaLnBrk="1" latinLnBrk="0" hangingPunct="1">
+              <a:spcBef>
+                <a:spcPts val="1000"/>
+              </a:spcBef>
+              <a:spcAft>
+                <a:spcPts val="0"/>
+              </a:spcAft>
+              <a:buClr>
+                <a:schemeClr val="accent1"/>
+              </a:buClr>
+              <a:buFont typeface="Wingdings 3" charset="2"/>
+              <a:buChar char=""/>
+              <a:defRPr sz="1400" kern="1200">
+                <a:solidFill>
+                  <a:schemeClr val="tx1">
+                    <a:lumMod val="75000"/>
+                    <a:lumOff val="25000"/>
+                  </a:schemeClr>
+                </a:solidFill>
+                <a:latin typeface="+mn-lt"/>
+                <a:ea typeface="+mn-ea"/>
+                <a:cs typeface="+mn-cs"/>
+              </a:defRPr>
+            </a:lvl3pPr>
+            <a:lvl4pPr marL="1600200" indent="-228600" algn="l" defTabSz="457200" rtl="0" eaLnBrk="1" latinLnBrk="0" hangingPunct="1">
+              <a:spcBef>
+                <a:spcPts val="1000"/>
+              </a:spcBef>
+              <a:spcAft>
+                <a:spcPts val="0"/>
+              </a:spcAft>
+              <a:buClr>
+                <a:schemeClr val="accent1"/>
+              </a:buClr>
+              <a:buFont typeface="Wingdings 3" charset="2"/>
+              <a:buChar char=""/>
+              <a:defRPr sz="1200" kern="1200">
+                <a:solidFill>
+                  <a:schemeClr val="tx1">
+                    <a:lumMod val="75000"/>
+                    <a:lumOff val="25000"/>
+                  </a:schemeClr>
+                </a:solidFill>
+                <a:latin typeface="+mn-lt"/>
+                <a:ea typeface="+mn-ea"/>
+                <a:cs typeface="+mn-cs"/>
+              </a:defRPr>
+            </a:lvl4pPr>
+            <a:lvl5pPr marL="2057400" indent="-228600" algn="l" defTabSz="457200" rtl="0" eaLnBrk="1" latinLnBrk="0" hangingPunct="1">
+              <a:spcBef>
+                <a:spcPts val="1000"/>
+              </a:spcBef>
+              <a:spcAft>
+                <a:spcPts val="0"/>
+              </a:spcAft>
+              <a:buClr>
+                <a:schemeClr val="accent1"/>
+              </a:buClr>
+              <a:buFont typeface="Wingdings 3" charset="2"/>
+              <a:buChar char=""/>
+              <a:defRPr sz="1200" kern="1200">
+                <a:solidFill>
+                  <a:schemeClr val="tx1">
+                    <a:lumMod val="75000"/>
+                    <a:lumOff val="25000"/>
+                  </a:schemeClr>
+                </a:solidFill>
+                <a:latin typeface="+mn-lt"/>
+                <a:ea typeface="+mn-ea"/>
+                <a:cs typeface="+mn-cs"/>
+              </a:defRPr>
+            </a:lvl5pPr>
+            <a:lvl6pPr marL="2514600" indent="-228600" algn="l" defTabSz="457200" rtl="0" eaLnBrk="1" latinLnBrk="0" hangingPunct="1">
+              <a:spcBef>
+                <a:spcPts val="1000"/>
+              </a:spcBef>
+              <a:spcAft>
+                <a:spcPts val="0"/>
+              </a:spcAft>
+              <a:buClr>
+                <a:schemeClr val="accent1"/>
+              </a:buClr>
+              <a:buFont typeface="Wingdings 3" charset="2"/>
+              <a:buChar char=""/>
+              <a:defRPr sz="1200" kern="1200">
+                <a:solidFill>
+                  <a:schemeClr val="tx1">
+                    <a:lumMod val="75000"/>
+                    <a:lumOff val="25000"/>
+                  </a:schemeClr>
+                </a:solidFill>
+                <a:latin typeface="+mn-lt"/>
+                <a:ea typeface="+mn-ea"/>
+                <a:cs typeface="+mn-cs"/>
+              </a:defRPr>
+            </a:lvl6pPr>
+            <a:lvl7pPr marL="2971800" indent="-228600" algn="l" defTabSz="457200" rtl="0" eaLnBrk="1" latinLnBrk="0" hangingPunct="1">
+              <a:spcBef>
+                <a:spcPts val="1000"/>
+              </a:spcBef>
+              <a:spcAft>
+                <a:spcPts val="0"/>
+              </a:spcAft>
+              <a:buClr>
+                <a:schemeClr val="accent1"/>
+              </a:buClr>
+              <a:buFont typeface="Wingdings 3" charset="2"/>
+              <a:buChar char=""/>
+              <a:defRPr sz="1200" kern="1200">
+                <a:solidFill>
+                  <a:schemeClr val="tx1">
+                    <a:lumMod val="75000"/>
+                    <a:lumOff val="25000"/>
+                  </a:schemeClr>
+                </a:solidFill>
+                <a:latin typeface="+mn-lt"/>
+                <a:ea typeface="+mn-ea"/>
+                <a:cs typeface="+mn-cs"/>
+              </a:defRPr>
+            </a:lvl7pPr>
+            <a:lvl8pPr marL="3429000" indent="-228600" algn="l" defTabSz="457200" rtl="0" eaLnBrk="1" latinLnBrk="0" hangingPunct="1">
+              <a:spcBef>
+                <a:spcPts val="1000"/>
+              </a:spcBef>
+              <a:spcAft>
+                <a:spcPts val="0"/>
+              </a:spcAft>
+              <a:buClr>
+                <a:schemeClr val="accent1"/>
+              </a:buClr>
+              <a:buFont typeface="Wingdings 3" charset="2"/>
+              <a:buChar char=""/>
+              <a:defRPr sz="1200" kern="1200">
+                <a:solidFill>
+                  <a:schemeClr val="tx1">
+                    <a:lumMod val="75000"/>
+                    <a:lumOff val="25000"/>
+                  </a:schemeClr>
+                </a:solidFill>
+                <a:latin typeface="+mn-lt"/>
+                <a:ea typeface="+mn-ea"/>
+                <a:cs typeface="+mn-cs"/>
+              </a:defRPr>
+            </a:lvl8pPr>
+            <a:lvl9pPr marL="3886200" indent="-228600" algn="l" defTabSz="457200" rtl="0" eaLnBrk="1" latinLnBrk="0" hangingPunct="1">
+              <a:spcBef>
+                <a:spcPts val="1000"/>
+              </a:spcBef>
+              <a:spcAft>
+                <a:spcPts val="0"/>
+              </a:spcAft>
+              <a:buClr>
+                <a:schemeClr val="accent1"/>
+              </a:buClr>
+              <a:buFont typeface="Wingdings 3" charset="2"/>
+              <a:buChar char=""/>
+              <a:defRPr sz="1200" kern="1200">
+                <a:solidFill>
+                  <a:schemeClr val="tx1">
+                    <a:lumMod val="75000"/>
+                    <a:lumOff val="25000"/>
+                  </a:schemeClr>
+                </a:solidFill>
+                <a:latin typeface="+mn-lt"/>
+                <a:ea typeface="+mn-ea"/>
+                <a:cs typeface="+mn-cs"/>
+              </a:defRPr>
+            </a:lvl9pPr>
+          </a:lstStyle>
+          <a:p>
+            <a:r>
+              <a:rPr lang="fr-FR" dirty="0" smtClean="0">
+                <a:solidFill>
+                  <a:schemeClr val="tx1"/>
+                </a:solidFill>
+              </a:rPr>
+              <a:t>Le code :</a:t>
+            </a:r>
+            <a:endParaRPr lang="en-US" dirty="0">
+              <a:solidFill>
+                <a:schemeClr val="tx1"/>
+              </a:solidFill>
+            </a:endParaRPr>
+          </a:p>
+        </p:txBody>
+      </p:sp>
+      <p:pic>
+        <p:nvPicPr>
+          <p:cNvPr id="4" name="Image 3"/>
+          <p:cNvPicPr>
+            <a:picLocks noChangeAspect="1"/>
+          </p:cNvPicPr>
+          <p:nvPr/>
+        </p:nvPicPr>
+        <p:blipFill>
+          <a:blip r:embed="rId3"/>
+          <a:stretch>
+            <a:fillRect/>
+          </a:stretch>
+        </p:blipFill>
+        <p:spPr>
+          <a:xfrm>
+            <a:off x="3013544" y="1916264"/>
+            <a:ext cx="3126288" cy="4190875"/>
+          </a:xfrm>
+          <a:prstGeom prst="rect">
+            <a:avLst/>
+          </a:prstGeom>
+          <a:ln>
+            <a:noFill/>
+          </a:ln>
+          <a:effectLst>
+            <a:outerShdw blurRad="292100" dist="139700" dir="2700000" algn="tl" rotWithShape="0">
+              <a:srgbClr val="333333">
+                <a:alpha val="65000"/>
+              </a:srgbClr>
+            </a:outerShdw>
+          </a:effectLst>
+        </p:spPr>
+      </p:pic>
+      <p:pic>
+        <p:nvPicPr>
+          <p:cNvPr id="5" name="Image 4"/>
+          <p:cNvPicPr>
+            <a:picLocks noChangeAspect="1"/>
+          </p:cNvPicPr>
+          <p:nvPr/>
+        </p:nvPicPr>
+        <p:blipFill>
+          <a:blip r:embed="rId4"/>
+          <a:stretch>
+            <a:fillRect/>
+          </a:stretch>
+        </p:blipFill>
+        <p:spPr>
+          <a:xfrm>
+            <a:off x="6247405" y="1286422"/>
+            <a:ext cx="5321742" cy="2346144"/>
+          </a:xfrm>
+          <a:prstGeom prst="rect">
+            <a:avLst/>
+          </a:prstGeom>
+          <a:ln>
+            <a:noFill/>
+          </a:ln>
+          <a:effectLst>
+            <a:outerShdw blurRad="292100" dist="139700" dir="2700000" algn="tl" rotWithShape="0">
+              <a:srgbClr val="333333">
+                <a:alpha val="65000"/>
+              </a:srgbClr>
+            </a:outerShdw>
+          </a:effectLst>
+        </p:spPr>
+      </p:pic>
+      <p:pic>
+        <p:nvPicPr>
+          <p:cNvPr id="6" name="Image 5"/>
+          <p:cNvPicPr>
+            <a:picLocks noChangeAspect="1"/>
+          </p:cNvPicPr>
+          <p:nvPr/>
+        </p:nvPicPr>
+        <p:blipFill>
+          <a:blip r:embed="rId5"/>
+          <a:stretch>
+            <a:fillRect/>
+          </a:stretch>
+        </p:blipFill>
+        <p:spPr>
+          <a:xfrm>
+            <a:off x="6247405" y="3697169"/>
+            <a:ext cx="5321742" cy="2409970"/>
+          </a:xfrm>
+          <a:prstGeom prst="rect">
+            <a:avLst/>
+          </a:prstGeom>
+        </p:spPr>
+      </p:pic>
+    </p:spTree>
+    <p:extLst>
+      <p:ext uri="{BB962C8B-B14F-4D97-AF65-F5344CB8AC3E}">
+        <p14:creationId xmlns:p14="http://schemas.microsoft.com/office/powerpoint/2010/main" val="3929945220"/>
+      </p:ext>
+    </p:extLst>
+  </p:cSld>
+  <p:clrMapOvr>
+    <a:masterClrMapping/>
+  </p:clrMapOvr>
+  <p:timing>
+    <p:tnLst>
+      <p:par>
+        <p:cTn id="1" dur="indefinite" restart="never" nodeType="tmRoot"/>
+      </p:par>
+    </p:tnLst>
+  </p:timing>
+</p:sld>
+</file>
+
+<file path=ppt/slides/slide159.xml><?xml version="1.0" encoding="utf-8"?>
+<p:sld xmlns:a="http://schemas.openxmlformats.org/drawingml/2006/main" xmlns:r="http://schemas.openxmlformats.org/officeDocument/2006/relationships" xmlns:p="http://schemas.openxmlformats.org/presentationml/2006/main">
+  <p:cSld>
+    <p:spTree>
+      <p:nvGrpSpPr>
+        <p:cNvPr id="1" name=""/>
+        <p:cNvGrpSpPr/>
+        <p:nvPr/>
+      </p:nvGrpSpPr>
+      <p:grpSpPr>
+        <a:xfrm>
+          <a:off x="0" y="0"/>
+          <a:ext cx="0" cy="0"/>
+          <a:chOff x="0" y="0"/>
+          <a:chExt cx="0" cy="0"/>
+        </a:xfrm>
+      </p:grpSpPr>
+      <p:sp>
+        <p:nvSpPr>
+          <p:cNvPr id="2" name="Titre 1"/>
+          <p:cNvSpPr>
+            <a:spLocks noGrp="1"/>
+          </p:cNvSpPr>
+          <p:nvPr>
+            <p:ph type="title"/>
+          </p:nvPr>
+        </p:nvSpPr>
+        <p:spPr>
+          <a:xfrm>
+            <a:off x="1979874" y="624110"/>
+            <a:ext cx="9907325" cy="664001"/>
+          </a:xfrm>
+        </p:spPr>
+        <p:txBody>
+          <a:bodyPr>
+            <a:normAutofit/>
+          </a:bodyPr>
+          <a:lstStyle/>
+          <a:p>
+            <a:r>
+              <a:rPr lang="fr-FR" dirty="0" smtClean="0">
+                <a:solidFill>
+                  <a:schemeClr val="tx1"/>
+                </a:solidFill>
+              </a:rPr>
+              <a:t>Conditions</a:t>
+            </a:r>
+            <a:endParaRPr lang="fr-FR" b="1" i="1" dirty="0">
+              <a:solidFill>
+                <a:schemeClr val="accent6"/>
+              </a:solidFill>
+            </a:endParaRPr>
+          </a:p>
+        </p:txBody>
+      </p:sp>
+      <p:sp>
+        <p:nvSpPr>
+          <p:cNvPr id="8" name="Espace réservé du contenu 2"/>
+          <p:cNvSpPr txBox="1">
+            <a:spLocks/>
+          </p:cNvSpPr>
+          <p:nvPr/>
+        </p:nvSpPr>
+        <p:spPr>
+          <a:xfrm>
+            <a:off x="1383527" y="1916264"/>
+            <a:ext cx="6281530" cy="4436828"/>
+          </a:xfrm>
+          <a:prstGeom prst="rect">
+            <a:avLst/>
+          </a:prstGeom>
+        </p:spPr>
+        <p:txBody>
+          <a:bodyPr vert="horz" lIns="91440" tIns="45720" rIns="91440" bIns="45720" rtlCol="0" anchor="ctr">
+            <a:normAutofit/>
+          </a:bodyPr>
+          <a:lstStyle>
+            <a:lvl1pPr marL="342900" indent="-342900" algn="l" defTabSz="457200" rtl="0" eaLnBrk="1" latinLnBrk="0" hangingPunct="1">
+              <a:spcBef>
+                <a:spcPts val="1000"/>
+              </a:spcBef>
+              <a:spcAft>
+                <a:spcPts val="0"/>
+              </a:spcAft>
+              <a:buClr>
+                <a:schemeClr val="accent1"/>
+              </a:buClr>
+              <a:buFont typeface="Wingdings 3" charset="2"/>
+              <a:buChar char=""/>
+              <a:defRPr sz="1800" kern="1200">
+                <a:solidFill>
+                  <a:schemeClr val="tx1">
+                    <a:lumMod val="75000"/>
+                    <a:lumOff val="25000"/>
+                  </a:schemeClr>
+                </a:solidFill>
+                <a:latin typeface="+mn-lt"/>
+                <a:ea typeface="+mn-ea"/>
+                <a:cs typeface="+mn-cs"/>
+              </a:defRPr>
+            </a:lvl1pPr>
+            <a:lvl2pPr marL="742950" indent="-285750" algn="l" defTabSz="457200" rtl="0" eaLnBrk="1" latinLnBrk="0" hangingPunct="1">
+              <a:spcBef>
+                <a:spcPts val="1000"/>
+              </a:spcBef>
+              <a:spcAft>
+                <a:spcPts val="0"/>
+              </a:spcAft>
+              <a:buClr>
+                <a:schemeClr val="accent1"/>
+              </a:buClr>
+              <a:buFont typeface="Wingdings 3" charset="2"/>
+              <a:buChar char=""/>
+              <a:defRPr sz="1600" kern="1200">
+                <a:solidFill>
+                  <a:schemeClr val="tx1">
+                    <a:lumMod val="75000"/>
+                    <a:lumOff val="25000"/>
+                  </a:schemeClr>
+                </a:solidFill>
+                <a:latin typeface="+mn-lt"/>
+                <a:ea typeface="+mn-ea"/>
+                <a:cs typeface="+mn-cs"/>
+              </a:defRPr>
+            </a:lvl2pPr>
+            <a:lvl3pPr marL="1143000" indent="-228600" algn="l" defTabSz="457200" rtl="0" eaLnBrk="1" latinLnBrk="0" hangingPunct="1">
+              <a:spcBef>
+                <a:spcPts val="1000"/>
+              </a:spcBef>
+              <a:spcAft>
+                <a:spcPts val="0"/>
+              </a:spcAft>
+              <a:buClr>
+                <a:schemeClr val="accent1"/>
+              </a:buClr>
+              <a:buFont typeface="Wingdings 3" charset="2"/>
+              <a:buChar char=""/>
+              <a:defRPr sz="1400" kern="1200">
+                <a:solidFill>
+                  <a:schemeClr val="tx1">
+                    <a:lumMod val="75000"/>
+                    <a:lumOff val="25000"/>
+                  </a:schemeClr>
+                </a:solidFill>
+                <a:latin typeface="+mn-lt"/>
+                <a:ea typeface="+mn-ea"/>
+                <a:cs typeface="+mn-cs"/>
+              </a:defRPr>
+            </a:lvl3pPr>
+            <a:lvl4pPr marL="1600200" indent="-228600" algn="l" defTabSz="457200" rtl="0" eaLnBrk="1" latinLnBrk="0" hangingPunct="1">
+              <a:spcBef>
+                <a:spcPts val="1000"/>
+              </a:spcBef>
+              <a:spcAft>
+                <a:spcPts val="0"/>
+              </a:spcAft>
+              <a:buClr>
+                <a:schemeClr val="accent1"/>
+              </a:buClr>
+              <a:buFont typeface="Wingdings 3" charset="2"/>
+              <a:buChar char=""/>
+              <a:defRPr sz="1200" kern="1200">
+                <a:solidFill>
+                  <a:schemeClr val="tx1">
+                    <a:lumMod val="75000"/>
+                    <a:lumOff val="25000"/>
+                  </a:schemeClr>
+                </a:solidFill>
+                <a:latin typeface="+mn-lt"/>
+                <a:ea typeface="+mn-ea"/>
+                <a:cs typeface="+mn-cs"/>
+              </a:defRPr>
+            </a:lvl4pPr>
+            <a:lvl5pPr marL="2057400" indent="-228600" algn="l" defTabSz="457200" rtl="0" eaLnBrk="1" latinLnBrk="0" hangingPunct="1">
+              <a:spcBef>
+                <a:spcPts val="1000"/>
+              </a:spcBef>
+              <a:spcAft>
+                <a:spcPts val="0"/>
+              </a:spcAft>
+              <a:buClr>
+                <a:schemeClr val="accent1"/>
+              </a:buClr>
+              <a:buFont typeface="Wingdings 3" charset="2"/>
+              <a:buChar char=""/>
+              <a:defRPr sz="1200" kern="1200">
+                <a:solidFill>
+                  <a:schemeClr val="tx1">
+                    <a:lumMod val="75000"/>
+                    <a:lumOff val="25000"/>
+                  </a:schemeClr>
+                </a:solidFill>
+                <a:latin typeface="+mn-lt"/>
+                <a:ea typeface="+mn-ea"/>
+                <a:cs typeface="+mn-cs"/>
+              </a:defRPr>
+            </a:lvl5pPr>
+            <a:lvl6pPr marL="2514600" indent="-228600" algn="l" defTabSz="457200" rtl="0" eaLnBrk="1" latinLnBrk="0" hangingPunct="1">
+              <a:spcBef>
+                <a:spcPts val="1000"/>
+              </a:spcBef>
+              <a:spcAft>
+                <a:spcPts val="0"/>
+              </a:spcAft>
+              <a:buClr>
+                <a:schemeClr val="accent1"/>
+              </a:buClr>
+              <a:buFont typeface="Wingdings 3" charset="2"/>
+              <a:buChar char=""/>
+              <a:defRPr sz="1200" kern="1200">
+                <a:solidFill>
+                  <a:schemeClr val="tx1">
+                    <a:lumMod val="75000"/>
+                    <a:lumOff val="25000"/>
+                  </a:schemeClr>
+                </a:solidFill>
+                <a:latin typeface="+mn-lt"/>
+                <a:ea typeface="+mn-ea"/>
+                <a:cs typeface="+mn-cs"/>
+              </a:defRPr>
+            </a:lvl6pPr>
+            <a:lvl7pPr marL="2971800" indent="-228600" algn="l" defTabSz="457200" rtl="0" eaLnBrk="1" latinLnBrk="0" hangingPunct="1">
+              <a:spcBef>
+                <a:spcPts val="1000"/>
+              </a:spcBef>
+              <a:spcAft>
+                <a:spcPts val="0"/>
+              </a:spcAft>
+              <a:buClr>
+                <a:schemeClr val="accent1"/>
+              </a:buClr>
+              <a:buFont typeface="Wingdings 3" charset="2"/>
+              <a:buChar char=""/>
+              <a:defRPr sz="1200" kern="1200">
+                <a:solidFill>
+                  <a:schemeClr val="tx1">
+                    <a:lumMod val="75000"/>
+                    <a:lumOff val="25000"/>
+                  </a:schemeClr>
+                </a:solidFill>
+                <a:latin typeface="+mn-lt"/>
+                <a:ea typeface="+mn-ea"/>
+                <a:cs typeface="+mn-cs"/>
+              </a:defRPr>
+            </a:lvl7pPr>
+            <a:lvl8pPr marL="3429000" indent="-228600" algn="l" defTabSz="457200" rtl="0" eaLnBrk="1" latinLnBrk="0" hangingPunct="1">
+              <a:spcBef>
+                <a:spcPts val="1000"/>
+              </a:spcBef>
+              <a:spcAft>
+                <a:spcPts val="0"/>
+              </a:spcAft>
+              <a:buClr>
+                <a:schemeClr val="accent1"/>
+              </a:buClr>
+              <a:buFont typeface="Wingdings 3" charset="2"/>
+              <a:buChar char=""/>
+              <a:defRPr sz="1200" kern="1200">
+                <a:solidFill>
+                  <a:schemeClr val="tx1">
+                    <a:lumMod val="75000"/>
+                    <a:lumOff val="25000"/>
+                  </a:schemeClr>
+                </a:solidFill>
+                <a:latin typeface="+mn-lt"/>
+                <a:ea typeface="+mn-ea"/>
+                <a:cs typeface="+mn-cs"/>
+              </a:defRPr>
+            </a:lvl8pPr>
+            <a:lvl9pPr marL="3886200" indent="-228600" algn="l" defTabSz="457200" rtl="0" eaLnBrk="1" latinLnBrk="0" hangingPunct="1">
+              <a:spcBef>
+                <a:spcPts val="1000"/>
+              </a:spcBef>
+              <a:spcAft>
+                <a:spcPts val="0"/>
+              </a:spcAft>
+              <a:buClr>
+                <a:schemeClr val="accent1"/>
+              </a:buClr>
+              <a:buFont typeface="Wingdings 3" charset="2"/>
+              <a:buChar char=""/>
+              <a:defRPr sz="1200" kern="1200">
+                <a:solidFill>
+                  <a:schemeClr val="tx1">
+                    <a:lumMod val="75000"/>
+                    <a:lumOff val="25000"/>
+                  </a:schemeClr>
+                </a:solidFill>
+                <a:latin typeface="+mn-lt"/>
+                <a:ea typeface="+mn-ea"/>
+                <a:cs typeface="+mn-cs"/>
+              </a:defRPr>
+            </a:lvl9pPr>
+          </a:lstStyle>
+          <a:p>
+            <a:r>
+              <a:rPr lang="fr-FR" dirty="0">
+                <a:solidFill>
+                  <a:schemeClr val="tx1"/>
+                </a:solidFill>
+              </a:rPr>
+              <a:t>Lorsque nous exécutons ce programme, vous devriez voir une sortie similaire à la </a:t>
+            </a:r>
+            <a:r>
+              <a:rPr lang="fr-FR" dirty="0" smtClean="0">
+                <a:solidFill>
+                  <a:schemeClr val="tx1"/>
+                </a:solidFill>
+              </a:rPr>
+              <a:t>suivante</a:t>
+            </a:r>
+          </a:p>
+          <a:p>
+            <a:r>
+              <a:rPr lang="fr-FR" dirty="0" smtClean="0">
+                <a:solidFill>
+                  <a:schemeClr val="tx1"/>
+                </a:solidFill>
+              </a:rPr>
+              <a:t>Vous </a:t>
+            </a:r>
+            <a:r>
+              <a:rPr lang="fr-FR" dirty="0">
+                <a:solidFill>
+                  <a:schemeClr val="tx1"/>
+                </a:solidFill>
+              </a:rPr>
+              <a:t>devriez voir que lorsque l'éditeur acquiert la condition, il ajoute un nombre au tableau, puis notifie la condition et la </a:t>
+            </a:r>
+            <a:r>
+              <a:rPr lang="fr-FR" dirty="0" smtClean="0">
+                <a:solidFill>
+                  <a:schemeClr val="tx1"/>
+                </a:solidFill>
+              </a:rPr>
+              <a:t>libère</a:t>
+            </a:r>
+          </a:p>
+          <a:p>
+            <a:r>
+              <a:rPr lang="fr-FR" dirty="0">
+                <a:solidFill>
+                  <a:schemeClr val="tx1"/>
+                </a:solidFill>
+              </a:rPr>
+              <a:t>Au moment où la condition est notifiée, la bataille commence entre les deux abonnés </a:t>
+            </a:r>
+            <a:r>
+              <a:rPr lang="fr-FR" dirty="0" smtClean="0">
+                <a:solidFill>
+                  <a:schemeClr val="tx1"/>
+                </a:solidFill>
+              </a:rPr>
+              <a:t>et </a:t>
+            </a:r>
+            <a:r>
+              <a:rPr lang="fr-FR" dirty="0">
+                <a:solidFill>
+                  <a:schemeClr val="tx1"/>
+                </a:solidFill>
+              </a:rPr>
+              <a:t>ils essaient tous deux d'acquérir cette condition en </a:t>
+            </a:r>
+            <a:r>
+              <a:rPr lang="fr-FR" dirty="0" smtClean="0">
+                <a:solidFill>
+                  <a:schemeClr val="tx1"/>
+                </a:solidFill>
+              </a:rPr>
+              <a:t>premier</a:t>
+            </a:r>
+          </a:p>
+          <a:p>
+            <a:r>
+              <a:rPr lang="fr-FR" dirty="0" smtClean="0">
+                <a:solidFill>
+                  <a:schemeClr val="tx1"/>
+                </a:solidFill>
+              </a:rPr>
+              <a:t>Quand l'un emporte </a:t>
+            </a:r>
+            <a:r>
+              <a:rPr lang="fr-FR" dirty="0">
+                <a:solidFill>
+                  <a:schemeClr val="tx1"/>
+                </a:solidFill>
+              </a:rPr>
+              <a:t>ce combat, il continue simplement à "pop" ce nombre du tableau</a:t>
+            </a:r>
+            <a:endParaRPr lang="en-US" dirty="0">
+              <a:solidFill>
+                <a:schemeClr val="tx1"/>
+              </a:solidFill>
+            </a:endParaRPr>
+          </a:p>
+        </p:txBody>
+      </p:sp>
+      <p:pic>
+        <p:nvPicPr>
+          <p:cNvPr id="3" name="Image 2"/>
+          <p:cNvPicPr>
+            <a:picLocks noChangeAspect="1"/>
+          </p:cNvPicPr>
+          <p:nvPr/>
+        </p:nvPicPr>
+        <p:blipFill>
+          <a:blip r:embed="rId3"/>
+          <a:stretch>
+            <a:fillRect/>
+          </a:stretch>
+        </p:blipFill>
+        <p:spPr>
+          <a:xfrm>
+            <a:off x="7665057" y="2677353"/>
+            <a:ext cx="3467100" cy="2914650"/>
+          </a:xfrm>
+          <a:prstGeom prst="rect">
+            <a:avLst/>
+          </a:prstGeom>
+          <a:ln>
+            <a:noFill/>
+          </a:ln>
+          <a:effectLst>
+            <a:outerShdw blurRad="292100" dist="139700" dir="2700000" algn="tl" rotWithShape="0">
+              <a:srgbClr val="333333">
+                <a:alpha val="65000"/>
+              </a:srgbClr>
+            </a:outerShdw>
+          </a:effectLst>
+        </p:spPr>
+      </p:pic>
+    </p:spTree>
+    <p:extLst>
+      <p:ext uri="{BB962C8B-B14F-4D97-AF65-F5344CB8AC3E}">
+        <p14:creationId xmlns:p14="http://schemas.microsoft.com/office/powerpoint/2010/main" val="1727716667"/>
       </p:ext>
     </p:extLst>
   </p:cSld>
@@ -41541,6 +45316,340 @@
     <p:extLst>
       <p:ext uri="{BB962C8B-B14F-4D97-AF65-F5344CB8AC3E}">
         <p14:creationId xmlns:p14="http://schemas.microsoft.com/office/powerpoint/2010/main" val="1641672612"/>
+      </p:ext>
+    </p:extLst>
+  </p:cSld>
+  <p:clrMapOvr>
+    <a:masterClrMapping/>
+  </p:clrMapOvr>
+  <p:timing>
+    <p:tnLst>
+      <p:par>
+        <p:cTn id="1" dur="indefinite" restart="never" nodeType="tmRoot"/>
+      </p:par>
+    </p:tnLst>
+  </p:timing>
+</p:sld>
+</file>
+
+<file path=ppt/slides/slide160.xml><?xml version="1.0" encoding="utf-8"?>
+<p:sld xmlns:a="http://schemas.openxmlformats.org/drawingml/2006/main" xmlns:r="http://schemas.openxmlformats.org/officeDocument/2006/relationships" xmlns:p="http://schemas.openxmlformats.org/presentationml/2006/main">
+  <p:cSld>
+    <p:spTree>
+      <p:nvGrpSpPr>
+        <p:cNvPr id="1" name=""/>
+        <p:cNvGrpSpPr/>
+        <p:nvPr/>
+      </p:nvGrpSpPr>
+      <p:grpSpPr>
+        <a:xfrm>
+          <a:off x="0" y="0"/>
+          <a:ext cx="0" cy="0"/>
+          <a:chOff x="0" y="0"/>
+          <a:chExt cx="0" cy="0"/>
+        </a:xfrm>
+      </p:grpSpPr>
+      <p:sp>
+        <p:nvSpPr>
+          <p:cNvPr id="2" name="Titre 1"/>
+          <p:cNvSpPr>
+            <a:spLocks noGrp="1"/>
+          </p:cNvSpPr>
+          <p:nvPr>
+            <p:ph type="title"/>
+          </p:nvPr>
+        </p:nvSpPr>
+        <p:spPr>
+          <a:xfrm>
+            <a:off x="2592925" y="624110"/>
+            <a:ext cx="8911687" cy="1280890"/>
+          </a:xfrm>
+        </p:spPr>
+        <p:txBody>
+          <a:bodyPr/>
+          <a:lstStyle/>
+          <a:p>
+            <a:r>
+              <a:rPr lang="fr-FR" dirty="0" smtClean="0"/>
+              <a:t>Références</a:t>
+            </a:r>
+            <a:endParaRPr lang="fr-FR" dirty="0"/>
+          </a:p>
+        </p:txBody>
+      </p:sp>
+      <p:sp>
+        <p:nvSpPr>
+          <p:cNvPr id="3" name="Espace réservé du contenu 2"/>
+          <p:cNvSpPr>
+            <a:spLocks noGrp="1"/>
+          </p:cNvSpPr>
+          <p:nvPr>
+            <p:ph idx="1"/>
+          </p:nvPr>
+        </p:nvSpPr>
+        <p:spPr>
+          <a:xfrm>
+            <a:off x="1661823" y="1542413"/>
+            <a:ext cx="9842789" cy="2965977"/>
+          </a:xfrm>
+        </p:spPr>
+        <p:txBody>
+          <a:bodyPr anchor="ctr" anchorCtr="0">
+            <a:normAutofit/>
+          </a:bodyPr>
+          <a:lstStyle/>
+          <a:p>
+            <a:pPr algn="just"/>
+            <a:r>
+              <a:rPr lang="fr-FR" dirty="0" smtClean="0">
+                <a:solidFill>
+                  <a:schemeClr val="tx1"/>
+                </a:solidFill>
+              </a:rPr>
+              <a:t>Python.org </a:t>
+            </a:r>
+            <a:r>
+              <a:rPr lang="fr-FR" dirty="0">
+                <a:solidFill>
+                  <a:schemeClr val="tx1"/>
+                </a:solidFill>
+              </a:rPr>
+              <a:t>: </a:t>
+            </a:r>
+            <a:r>
+              <a:rPr lang="fr-FR" dirty="0">
+                <a:solidFill>
+                  <a:schemeClr val="tx1"/>
+                </a:solidFill>
+                <a:hlinkClick r:id="rId3"/>
+              </a:rPr>
+              <a:t>https://www.python.org</a:t>
+            </a:r>
+            <a:r>
+              <a:rPr lang="fr-FR" dirty="0" smtClean="0">
+                <a:solidFill>
+                  <a:schemeClr val="tx1"/>
+                </a:solidFill>
+                <a:hlinkClick r:id="rId3"/>
+              </a:rPr>
+              <a:t>/</a:t>
+            </a:r>
+            <a:endParaRPr lang="fr-FR" dirty="0" smtClean="0">
+              <a:solidFill>
+                <a:schemeClr val="tx1"/>
+              </a:solidFill>
+            </a:endParaRPr>
+          </a:p>
+          <a:p>
+            <a:pPr algn="just"/>
+            <a:r>
+              <a:rPr lang="fr-FR" dirty="0" smtClean="0">
+                <a:solidFill>
+                  <a:schemeClr val="tx1"/>
+                </a:solidFill>
+              </a:rPr>
+              <a:t>…</a:t>
+            </a:r>
+            <a:endParaRPr lang="fr-FR" dirty="0">
+              <a:solidFill>
+                <a:schemeClr val="tx1"/>
+              </a:solidFill>
+            </a:endParaRPr>
+          </a:p>
+        </p:txBody>
+      </p:sp>
+    </p:spTree>
+    <p:extLst>
+      <p:ext uri="{BB962C8B-B14F-4D97-AF65-F5344CB8AC3E}">
+        <p14:creationId xmlns:p14="http://schemas.microsoft.com/office/powerpoint/2010/main" val="3875151851"/>
+      </p:ext>
+    </p:extLst>
+  </p:cSld>
+  <p:clrMapOvr>
+    <a:masterClrMapping/>
+  </p:clrMapOvr>
+  <p:timing>
+    <p:tnLst>
+      <p:par>
+        <p:cTn id="1" dur="indefinite" restart="never" nodeType="tmRoot"/>
+      </p:par>
+    </p:tnLst>
+  </p:timing>
+</p:sld>
+</file>
+
+<file path=ppt/slides/slide161.xml><?xml version="1.0" encoding="utf-8"?>
+<p:sld xmlns:a="http://schemas.openxmlformats.org/drawingml/2006/main" xmlns:r="http://schemas.openxmlformats.org/officeDocument/2006/relationships" xmlns:p="http://schemas.openxmlformats.org/presentationml/2006/main">
+  <p:cSld>
+    <p:spTree>
+      <p:nvGrpSpPr>
+        <p:cNvPr id="1" name=""/>
+        <p:cNvGrpSpPr/>
+        <p:nvPr/>
+      </p:nvGrpSpPr>
+      <p:grpSpPr>
+        <a:xfrm>
+          <a:off x="0" y="0"/>
+          <a:ext cx="0" cy="0"/>
+          <a:chOff x="0" y="0"/>
+          <a:chExt cx="0" cy="0"/>
+        </a:xfrm>
+      </p:grpSpPr>
+      <p:sp>
+        <p:nvSpPr>
+          <p:cNvPr id="2" name="Titre 1"/>
+          <p:cNvSpPr>
+            <a:spLocks noGrp="1"/>
+          </p:cNvSpPr>
+          <p:nvPr>
+            <p:ph type="title"/>
+          </p:nvPr>
+        </p:nvSpPr>
+        <p:spPr>
+          <a:xfrm>
+            <a:off x="2592925" y="624110"/>
+            <a:ext cx="8911687" cy="1280890"/>
+          </a:xfrm>
+        </p:spPr>
+        <p:txBody>
+          <a:bodyPr/>
+          <a:lstStyle/>
+          <a:p>
+            <a:r>
+              <a:rPr lang="fr-FR" dirty="0" smtClean="0"/>
+              <a:t>Outils</a:t>
+            </a:r>
+            <a:endParaRPr lang="fr-FR" dirty="0"/>
+          </a:p>
+        </p:txBody>
+      </p:sp>
+      <p:sp>
+        <p:nvSpPr>
+          <p:cNvPr id="3" name="Espace réservé du contenu 2"/>
+          <p:cNvSpPr>
+            <a:spLocks noGrp="1"/>
+          </p:cNvSpPr>
+          <p:nvPr>
+            <p:ph idx="1"/>
+          </p:nvPr>
+        </p:nvSpPr>
+        <p:spPr>
+          <a:xfrm>
+            <a:off x="1661823" y="1542413"/>
+            <a:ext cx="9842789" cy="2965977"/>
+          </a:xfrm>
+        </p:spPr>
+        <p:txBody>
+          <a:bodyPr anchor="ctr" anchorCtr="0">
+            <a:normAutofit/>
+          </a:bodyPr>
+          <a:lstStyle/>
+          <a:p>
+            <a:pPr algn="just"/>
+            <a:r>
+              <a:rPr lang="fr-FR" dirty="0" smtClean="0">
+                <a:solidFill>
+                  <a:schemeClr val="tx1"/>
+                </a:solidFill>
+              </a:rPr>
+              <a:t>IDE Pycharm Community</a:t>
+            </a:r>
+            <a:r>
+              <a:rPr lang="fr-FR" dirty="0">
+                <a:solidFill>
+                  <a:schemeClr val="tx1"/>
+                </a:solidFill>
+              </a:rPr>
+              <a:t> : </a:t>
+            </a:r>
+            <a:r>
+              <a:rPr lang="fr-FR" dirty="0">
+                <a:solidFill>
+                  <a:schemeClr val="tx1"/>
+                </a:solidFill>
+                <a:hlinkClick r:id="rId3"/>
+              </a:rPr>
+              <a:t>https://www.jetbrains.com/pycharm</a:t>
+            </a:r>
+            <a:r>
+              <a:rPr lang="fr-FR" dirty="0" smtClean="0">
+                <a:solidFill>
+                  <a:schemeClr val="tx1"/>
+                </a:solidFill>
+                <a:hlinkClick r:id="rId3"/>
+              </a:rPr>
+              <a:t>/</a:t>
+            </a:r>
+            <a:endParaRPr lang="fr-FR" dirty="0" smtClean="0">
+              <a:solidFill>
+                <a:schemeClr val="tx1"/>
+              </a:solidFill>
+            </a:endParaRPr>
+          </a:p>
+          <a:p>
+            <a:pPr algn="just"/>
+            <a:r>
+              <a:rPr lang="fr-FR" dirty="0" smtClean="0">
+                <a:solidFill>
+                  <a:schemeClr val="tx1"/>
+                </a:solidFill>
+              </a:rPr>
+              <a:t>Analyse en ligne de code Python </a:t>
+            </a:r>
+            <a:r>
+              <a:rPr lang="fr-FR" dirty="0">
+                <a:solidFill>
+                  <a:schemeClr val="tx1"/>
+                </a:solidFill>
+              </a:rPr>
+              <a:t>: </a:t>
+            </a:r>
+            <a:r>
+              <a:rPr lang="fr-FR" dirty="0">
+                <a:solidFill>
+                  <a:schemeClr val="tx1"/>
+                </a:solidFill>
+                <a:hlinkClick r:id="rId4"/>
+              </a:rPr>
+              <a:t>http://www.pythontutor.com</a:t>
+            </a:r>
+            <a:r>
+              <a:rPr lang="fr-FR" dirty="0" smtClean="0">
+                <a:solidFill>
+                  <a:schemeClr val="tx1"/>
+                </a:solidFill>
+                <a:hlinkClick r:id="rId4"/>
+              </a:rPr>
+              <a:t>/</a:t>
+            </a:r>
+            <a:endParaRPr lang="fr-FR" dirty="0" smtClean="0">
+              <a:solidFill>
+                <a:schemeClr val="tx1"/>
+              </a:solidFill>
+            </a:endParaRPr>
+          </a:p>
+          <a:p>
+            <a:pPr algn="just"/>
+            <a:r>
+              <a:rPr lang="fr-FR" dirty="0" smtClean="0">
+                <a:solidFill>
+                  <a:schemeClr val="tx1"/>
+                </a:solidFill>
+              </a:rPr>
+              <a:t>…</a:t>
+            </a:r>
+            <a:endParaRPr lang="fr-FR" dirty="0">
+              <a:solidFill>
+                <a:schemeClr val="tx1"/>
+              </a:solidFill>
+            </a:endParaRPr>
+          </a:p>
+        </p:txBody>
+      </p:sp>
+    </p:spTree>
+    <p:extLst>
+      <p:ext uri="{BB962C8B-B14F-4D97-AF65-F5344CB8AC3E}">
+        <p14:creationId xmlns:p14="http://schemas.microsoft.com/office/powerpoint/2010/main" val="3475247113"/>
       </p:ext>
     </p:extLst>
   </p:cSld>
